--- a/Project (ParkInsu).pptx
+++ b/Project (ParkInsu).pptx
@@ -5,7 +5,7 @@
     <p:sldMasterId id="2147483744" r:id="rId1"/>
   </p:sldMasterIdLst>
   <p:notesMasterIdLst>
-    <p:notesMasterId r:id="rId17"/>
+    <p:notesMasterId r:id="rId21"/>
   </p:notesMasterIdLst>
   <p:sldIdLst>
     <p:sldId id="256" r:id="rId2"/>
@@ -22,35 +22,39 @@
     <p:sldId id="311" r:id="rId13"/>
     <p:sldId id="312" r:id="rId14"/>
     <p:sldId id="314" r:id="rId15"/>
-    <p:sldId id="293" r:id="rId16"/>
+    <p:sldId id="315" r:id="rId16"/>
+    <p:sldId id="316" r:id="rId17"/>
+    <p:sldId id="317" r:id="rId18"/>
+    <p:sldId id="318" r:id="rId19"/>
+    <p:sldId id="293" r:id="rId20"/>
   </p:sldIdLst>
   <p:sldSz cx="12192000" cy="6858000"/>
   <p:notesSz cx="6858000" cy="9144000"/>
   <p:embeddedFontLst>
     <p:embeddedFont>
-      <p:font typeface="Calibri Light" panose="020F0302020204030204" pitchFamily="34" charset="0"/>
-      <p:regular r:id="rId18"/>
-      <p:italic r:id="rId19"/>
-    </p:embeddedFont>
-    <p:embeddedFont>
-      <p:font typeface="Calibri" panose="020F0502020204030204" pitchFamily="34" charset="0"/>
-      <p:regular r:id="rId20"/>
-      <p:bold r:id="rId21"/>
-      <p:italic r:id="rId22"/>
-      <p:boldItalic r:id="rId23"/>
+      <p:font typeface="맑은 고딕" panose="020B0503020000020004" pitchFamily="50" charset="-127"/>
+      <p:regular r:id="rId22"/>
+      <p:bold r:id="rId23"/>
     </p:embeddedFont>
     <p:embeddedFont>
       <p:font typeface="야놀자 야체 R" panose="02020603020101020101" pitchFamily="18" charset="-127"/>
       <p:regular r:id="rId24"/>
     </p:embeddedFont>
     <p:embeddedFont>
-      <p:font typeface="맑은 고딕" panose="020B0503020000020004" pitchFamily="50" charset="-127"/>
+      <p:font typeface="Calibri Light" panose="020F0302020204030204" pitchFamily="34" charset="0"/>
       <p:regular r:id="rId25"/>
-      <p:bold r:id="rId26"/>
+      <p:italic r:id="rId26"/>
+    </p:embeddedFont>
+    <p:embeddedFont>
+      <p:font typeface="Calibri" panose="020F0502020204030204" pitchFamily="34" charset="0"/>
+      <p:regular r:id="rId27"/>
+      <p:bold r:id="rId28"/>
+      <p:italic r:id="rId29"/>
+      <p:boldItalic r:id="rId30"/>
     </p:embeddedFont>
     <p:embeddedFont>
       <p:font typeface="야놀자 야체 B" panose="02020603020101020101" pitchFamily="18" charset="-127"/>
-      <p:bold r:id="rId27"/>
+      <p:bold r:id="rId31"/>
     </p:embeddedFont>
   </p:embeddedFontLst>
   <p:defaultTextStyle>
@@ -316,7 +320,7 @@
               <a:pPr>
                 <a:defRPr/>
               </a:pPr>
-              <a:t>2022-06-13</a:t>
+              <a:t>2022-06-17</a:t>
             </a:fld>
             <a:endParaRPr lang="ko-KR" altLang="en-US"/>
           </a:p>
@@ -970,7 +974,7 @@
                 </a:solidFill>
               </a:rPr>
               <a:pPr/>
-              <a:t>2022-06-13</a:t>
+              <a:t>2022-06-17</a:t>
             </a:fld>
             <a:endParaRPr lang="ko-KR" altLang="en-US">
               <a:solidFill>
@@ -2197,6 +2201,13 @@
   <p:clrMapOvr>
     <a:masterClrMapping/>
   </p:clrMapOvr>
+  <p:timing>
+    <p:tnLst>
+      <p:par>
+        <p:cTn id="1" dur="indefinite" restart="never" nodeType="tmRoot"/>
+      </p:par>
+    </p:tnLst>
+  </p:timing>
 </p:sld>
 </file>
 
@@ -2257,6 +2268,13 @@
   <p:clrMapOvr>
     <a:masterClrMapping/>
   </p:clrMapOvr>
+  <p:timing>
+    <p:tnLst>
+      <p:par>
+        <p:cTn id="1" dur="indefinite" restart="never" nodeType="tmRoot"/>
+      </p:par>
+    </p:tnLst>
+  </p:timing>
 </p:sld>
 </file>
 
@@ -2391,7 +2409,7 @@
         <p:spPr>
           <a:xfrm>
             <a:off x="634466" y="307395"/>
-            <a:ext cx="6465219" cy="338554"/>
+            <a:ext cx="6465219" cy="584775"/>
           </a:xfrm>
           <a:prstGeom prst="rect">
             <a:avLst/>
@@ -2418,7 +2436,7 @@
               <a:t>렌터카를 인수하자</a:t>
             </a:r>
             <a:r>
-              <a:rPr lang="en-US" altLang="ko-KR" sz="1600" b="1" dirty="0">
+              <a:rPr lang="en-US" altLang="ko-KR" sz="1600" b="1" dirty="0" smtClean="0">
                 <a:solidFill>
                   <a:srgbClr val="445569"/>
                 </a:solidFill>
@@ -2427,8 +2445,22 @@
               </a:rPr>
               <a:t>!</a:t>
             </a:r>
-            <a:r>
-              <a:rPr lang="en-US" altLang="ko-KR" sz="1600" b="1" dirty="0">
+            <a:endParaRPr lang="en-US" altLang="ko-KR" sz="1600" b="1" dirty="0">
+              <a:solidFill>
+                <a:schemeClr val="tx2">
+                  <a:lumMod val="75000"/>
+                </a:schemeClr>
+              </a:solidFill>
+              <a:latin typeface="+mn-ea"/>
+              <a:ea typeface="+mn-ea"/>
+            </a:endParaRPr>
+          </a:p>
+          <a:p>
+            <a:pPr>
+              <a:defRPr/>
+            </a:pPr>
+            <a:r>
+              <a:rPr lang="ko-KR" altLang="en-US" sz="1600" b="1" dirty="0" smtClean="0">
                 <a:solidFill>
                   <a:schemeClr val="tx2">
                     <a:lumMod val="75000"/>
@@ -2437,7 +2469,7 @@
                 <a:latin typeface="+mn-ea"/>
                 <a:ea typeface="+mn-ea"/>
               </a:rPr>
-              <a:t> </a:t>
+              <a:t>이미지 </a:t>
             </a:r>
             <a:r>
               <a:rPr lang="ko-KR" altLang="en-US" sz="1600" b="1" dirty="0">
@@ -2449,7 +2481,7 @@
                 <a:latin typeface="+mn-ea"/>
                 <a:ea typeface="+mn-ea"/>
               </a:rPr>
-              <a:t>이미지 슬라이드 </a:t>
+              <a:t>슬라이드 </a:t>
             </a:r>
             <a:r>
               <a:rPr lang="en-US" altLang="ko-KR" sz="1600" b="1" dirty="0">
@@ -2831,6 +2863,13 @@
   <p:clrMapOvr>
     <a:masterClrMapping/>
   </p:clrMapOvr>
+  <p:timing>
+    <p:tnLst>
+      <p:par>
+        <p:cTn id="1" dur="indefinite" restart="never" nodeType="tmRoot"/>
+      </p:par>
+    </p:tnLst>
+  </p:timing>
 </p:sld>
 </file>
 
@@ -4645,6 +4684,13 @@
   <p:clrMapOvr>
     <a:masterClrMapping/>
   </p:clrMapOvr>
+  <p:timing>
+    <p:tnLst>
+      <p:par>
+        <p:cTn id="1" dur="indefinite" restart="never" nodeType="tmRoot"/>
+      </p:par>
+    </p:tnLst>
+  </p:timing>
 </p:sld>
 </file>
 
@@ -4686,7 +4732,7 @@
         </p:blipFill>
         <p:spPr>
           <a:xfrm>
-            <a:off x="645938" y="849756"/>
+            <a:off x="645938" y="955941"/>
             <a:ext cx="10801465" cy="4191585"/>
           </a:xfrm>
           <a:prstGeom prst="rect">
@@ -4808,7 +4854,7 @@
         <p:spPr>
           <a:xfrm>
             <a:off x="634466" y="307395"/>
-            <a:ext cx="6465219" cy="338554"/>
+            <a:ext cx="6465219" cy="584775"/>
           </a:xfrm>
           <a:prstGeom prst="rect">
             <a:avLst/>
@@ -4835,7 +4881,7 @@
               <a:t>렌터카를 인수하자</a:t>
             </a:r>
             <a:r>
-              <a:rPr lang="en-US" altLang="ko-KR" sz="1600" b="1" dirty="0">
+              <a:rPr lang="en-US" altLang="ko-KR" sz="1600" b="1" dirty="0" smtClean="0">
                 <a:solidFill>
                   <a:srgbClr val="445569"/>
                 </a:solidFill>
@@ -4844,8 +4890,22 @@
               </a:rPr>
               <a:t>!</a:t>
             </a:r>
-            <a:r>
-              <a:rPr lang="en-US" altLang="ko-KR" sz="1600" b="1" dirty="0">
+            <a:endParaRPr lang="en-US" altLang="ko-KR" sz="1600" b="1" dirty="0">
+              <a:solidFill>
+                <a:schemeClr val="tx2">
+                  <a:lumMod val="75000"/>
+                </a:schemeClr>
+              </a:solidFill>
+              <a:latin typeface="+mn-ea"/>
+              <a:ea typeface="+mn-ea"/>
+            </a:endParaRPr>
+          </a:p>
+          <a:p>
+            <a:pPr>
+              <a:defRPr/>
+            </a:pPr>
+            <a:r>
+              <a:rPr lang="ko-KR" altLang="en-US" sz="1600" b="1" dirty="0" smtClean="0">
                 <a:solidFill>
                   <a:schemeClr val="tx2">
                     <a:lumMod val="75000"/>
@@ -4854,7 +4914,7 @@
                 <a:latin typeface="+mn-ea"/>
                 <a:ea typeface="+mn-ea"/>
               </a:rPr>
-              <a:t> </a:t>
+              <a:t>이미지 </a:t>
             </a:r>
             <a:r>
               <a:rPr lang="ko-KR" altLang="en-US" sz="1600" b="1" dirty="0">
@@ -4866,7 +4926,7 @@
                 <a:latin typeface="+mn-ea"/>
                 <a:ea typeface="+mn-ea"/>
               </a:rPr>
-              <a:t>이미지 슬라이드 </a:t>
+              <a:t>슬라이드 </a:t>
             </a:r>
             <a:r>
               <a:rPr lang="en-US" altLang="ko-KR" sz="1600" b="1" dirty="0" err="1">
@@ -4932,7 +4992,7 @@
         </p:nvSpPr>
         <p:spPr>
           <a:xfrm>
-            <a:off x="6061590" y="1556792"/>
+            <a:off x="6061590" y="1662977"/>
             <a:ext cx="3872333" cy="286668"/>
           </a:xfrm>
           <a:prstGeom prst="rect">
@@ -5167,7 +5227,7 @@
         </p:nvSpPr>
         <p:spPr>
           <a:xfrm>
-            <a:off x="6061590" y="2802214"/>
+            <a:off x="6061590" y="2908399"/>
             <a:ext cx="3872333" cy="286668"/>
           </a:xfrm>
           <a:prstGeom prst="rect">
@@ -5466,7 +5526,7 @@
         </p:blipFill>
         <p:spPr>
           <a:xfrm>
-            <a:off x="5915980" y="5047207"/>
+            <a:off x="5915980" y="5205275"/>
             <a:ext cx="4908859" cy="1563382"/>
           </a:xfrm>
           <a:prstGeom prst="rect">
@@ -5484,6 +5544,13 @@
   <p:clrMapOvr>
     <a:masterClrMapping/>
   </p:clrMapOvr>
+  <p:timing>
+    <p:tnLst>
+      <p:par>
+        <p:cTn id="1" dur="indefinite" restart="never" nodeType="tmRoot"/>
+      </p:par>
+    </p:tnLst>
+  </p:timing>
 </p:sld>
 </file>
 
@@ -5618,7 +5685,7 @@
         <p:spPr>
           <a:xfrm>
             <a:off x="634466" y="307395"/>
-            <a:ext cx="6465219" cy="338554"/>
+            <a:ext cx="6465219" cy="584775"/>
           </a:xfrm>
           <a:prstGeom prst="rect">
             <a:avLst/>
@@ -5645,7 +5712,7 @@
               <a:t>렌터카를 인수하자</a:t>
             </a:r>
             <a:r>
-              <a:rPr lang="en-US" altLang="ko-KR" sz="1600" b="1" dirty="0">
+              <a:rPr lang="en-US" altLang="ko-KR" sz="1600" b="1" dirty="0" smtClean="0">
                 <a:solidFill>
                   <a:srgbClr val="445569"/>
                 </a:solidFill>
@@ -5654,18 +5721,20 @@
               </a:rPr>
               <a:t>!</a:t>
             </a:r>
-            <a:r>
-              <a:rPr lang="en-US" altLang="ko-KR" sz="1600" b="1" dirty="0">
-                <a:solidFill>
-                  <a:schemeClr val="tx2">
-                    <a:lumMod val="75000"/>
-                  </a:schemeClr>
-                </a:solidFill>
-                <a:latin typeface="+mn-ea"/>
-                <a:ea typeface="+mn-ea"/>
-              </a:rPr>
-              <a:t> </a:t>
-            </a:r>
+            <a:endParaRPr lang="en-US" altLang="ko-KR" sz="1600" b="1" dirty="0">
+              <a:solidFill>
+                <a:schemeClr val="tx2">
+                  <a:lumMod val="75000"/>
+                </a:schemeClr>
+              </a:solidFill>
+              <a:latin typeface="+mn-ea"/>
+              <a:ea typeface="+mn-ea"/>
+            </a:endParaRPr>
+          </a:p>
+          <a:p>
+            <a:pPr>
+              <a:defRPr/>
+            </a:pPr>
             <a:r>
               <a:rPr lang="en-US" altLang="ko-KR" sz="1600" b="1" dirty="0" smtClean="0">
                 <a:solidFill>
@@ -8214,51 +8283,13 @@
             </a:r>
             <a:r>
               <a:rPr lang="ko-KR" altLang="en-US" sz="1400" dirty="0" smtClean="0"/>
-              <a:t>삭제 가능</a:t>
+              <a:t>삭제 </a:t>
+            </a:r>
+            <a:r>
+              <a:rPr lang="ko-KR" altLang="en-US" sz="1400" dirty="0" smtClean="0"/>
+              <a:t>가능</a:t>
             </a:r>
             <a:endParaRPr lang="en-US" altLang="ko-KR" sz="1400" dirty="0" smtClean="0"/>
-          </a:p>
-          <a:p>
-            <a:pPr marL="0" indent="0">
-              <a:buNone/>
-            </a:pPr>
-            <a:endParaRPr lang="en-US" altLang="ko-KR" sz="1400" dirty="0"/>
-          </a:p>
-          <a:p>
-            <a:pPr marL="0" indent="0">
-              <a:buNone/>
-            </a:pPr>
-            <a:r>
-              <a:rPr lang="ko-KR" altLang="en-US" sz="1400" dirty="0" smtClean="0"/>
-              <a:t>삭제하면 해당 </a:t>
-            </a:r>
-            <a:r>
-              <a:rPr lang="ko-KR" altLang="en-US" sz="1400" dirty="0" err="1" smtClean="0"/>
-              <a:t>게시글</a:t>
-            </a:r>
-            <a:r>
-              <a:rPr lang="ko-KR" altLang="en-US" sz="1400" dirty="0" smtClean="0"/>
-              <a:t> 번호는 비어있게 됨</a:t>
-            </a:r>
-            <a:endParaRPr lang="en-US" altLang="ko-KR" sz="1400" dirty="0" smtClean="0"/>
-          </a:p>
-          <a:p>
-            <a:pPr marL="0" indent="0">
-              <a:buNone/>
-            </a:pPr>
-            <a:r>
-              <a:rPr lang="ko-KR" altLang="en-US" sz="1400" dirty="0" smtClean="0"/>
-              <a:t>번호를 당길 것인가</a:t>
-            </a:r>
-            <a:r>
-              <a:rPr lang="en-US" altLang="ko-KR" sz="1400" dirty="0" smtClean="0"/>
-              <a:t>, </a:t>
-            </a:r>
-            <a:r>
-              <a:rPr lang="ko-KR" altLang="en-US" sz="1400" dirty="0" smtClean="0"/>
-              <a:t>그냥 갈 것인가</a:t>
-            </a:r>
-            <a:endParaRPr lang="en-US" altLang="ko-KR" sz="1400" dirty="0"/>
           </a:p>
         </p:txBody>
       </p:sp>
@@ -8272,10 +8303,4173 @@
   <p:clrMapOvr>
     <a:masterClrMapping/>
   </p:clrMapOvr>
+  <p:timing>
+    <p:tnLst>
+      <p:par>
+        <p:cTn id="1" dur="indefinite" restart="never" nodeType="tmRoot"/>
+      </p:par>
+    </p:tnLst>
+  </p:timing>
 </p:sld>
 </file>
 
 <file path=ppt/slides/slide15.xml><?xml version="1.0" encoding="utf-8"?>
+<p:sld xmlns:a="http://schemas.openxmlformats.org/drawingml/2006/main" xmlns:r="http://schemas.openxmlformats.org/officeDocument/2006/relationships" xmlns:p="http://schemas.openxmlformats.org/presentationml/2006/main">
+  <p:cSld>
+    <p:spTree>
+      <p:nvGrpSpPr>
+        <p:cNvPr id="1" name=""/>
+        <p:cNvGrpSpPr/>
+        <p:nvPr/>
+      </p:nvGrpSpPr>
+      <p:grpSpPr>
+        <a:xfrm>
+          <a:off x="0" y="0"/>
+          <a:ext cx="0" cy="0"/>
+          <a:chOff x="0" y="0"/>
+          <a:chExt cx="0" cy="0"/>
+        </a:xfrm>
+      </p:grpSpPr>
+      <p:cxnSp>
+        <p:nvCxnSpPr>
+          <p:cNvPr id="49" name="직선 연결선 48">
+            <a:extLst>
+              <a:ext uri="{FF2B5EF4-FFF2-40B4-BE49-F238E27FC236}">
+                <a16:creationId xmlns:a16="http://schemas.microsoft.com/office/drawing/2014/main" id="{B6E6CC53-B054-47F8-8DB4-4F5E79EAE68F}"/>
+              </a:ext>
+            </a:extLst>
+          </p:cNvPr>
+          <p:cNvCxnSpPr>
+            <a:cxnSpLocks/>
+          </p:cNvCxnSpPr>
+          <p:nvPr/>
+        </p:nvCxnSpPr>
+        <p:spPr>
+          <a:xfrm flipV="1">
+            <a:off x="3359696" y="241204"/>
+            <a:ext cx="8460829" cy="10065"/>
+          </a:xfrm>
+          <a:prstGeom prst="line">
+            <a:avLst/>
+          </a:prstGeom>
+          <a:ln w="9525">
+            <a:solidFill>
+              <a:srgbClr val="445569"/>
+            </a:solidFill>
+          </a:ln>
+        </p:spPr>
+        <p:style>
+          <a:lnRef idx="1">
+            <a:schemeClr val="accent1"/>
+          </a:lnRef>
+          <a:fillRef idx="0">
+            <a:schemeClr val="accent1"/>
+          </a:fillRef>
+          <a:effectRef idx="0">
+            <a:schemeClr val="accent1"/>
+          </a:effectRef>
+          <a:fontRef idx="minor">
+            <a:schemeClr val="tx1"/>
+          </a:fontRef>
+        </p:style>
+      </p:cxnSp>
+      <p:sp>
+        <p:nvSpPr>
+          <p:cNvPr id="50" name="직사각형 49">
+            <a:extLst>
+              <a:ext uri="{FF2B5EF4-FFF2-40B4-BE49-F238E27FC236}">
+                <a16:creationId xmlns:a16="http://schemas.microsoft.com/office/drawing/2014/main" id="{F555D67C-0100-4578-A97E-7D39DD04B742}"/>
+              </a:ext>
+            </a:extLst>
+          </p:cNvPr>
+          <p:cNvSpPr/>
+          <p:nvPr/>
+        </p:nvSpPr>
+        <p:spPr>
+          <a:xfrm>
+            <a:off x="456792" y="299706"/>
+            <a:ext cx="45719" cy="364833"/>
+          </a:xfrm>
+          <a:prstGeom prst="rect">
+            <a:avLst/>
+          </a:prstGeom>
+          <a:solidFill>
+            <a:srgbClr val="445569"/>
+          </a:solidFill>
+          <a:ln>
+            <a:solidFill>
+              <a:srgbClr val="445569"/>
+            </a:solidFill>
+          </a:ln>
+        </p:spPr>
+        <p:style>
+          <a:lnRef idx="2">
+            <a:schemeClr val="accent1">
+              <a:shade val="50000"/>
+            </a:schemeClr>
+          </a:lnRef>
+          <a:fillRef idx="1">
+            <a:schemeClr val="accent1"/>
+          </a:fillRef>
+          <a:effectRef idx="0">
+            <a:schemeClr val="accent1"/>
+          </a:effectRef>
+          <a:fontRef idx="minor">
+            <a:schemeClr val="lt1"/>
+          </a:fontRef>
+        </p:style>
+        <p:txBody>
+          <a:bodyPr anchor="ctr"/>
+          <a:lstStyle/>
+          <a:p>
+            <a:pPr algn="ctr">
+              <a:defRPr/>
+            </a:pPr>
+            <a:endParaRPr lang="ko-KR" altLang="en-US"/>
+          </a:p>
+        </p:txBody>
+      </p:sp>
+      <p:sp>
+        <p:nvSpPr>
+          <p:cNvPr id="51" name="TextBox 50">
+            <a:extLst>
+              <a:ext uri="{FF2B5EF4-FFF2-40B4-BE49-F238E27FC236}">
+                <a16:creationId xmlns:a16="http://schemas.microsoft.com/office/drawing/2014/main" id="{41C9A7DB-7A22-4918-A68B-F29014530E67}"/>
+              </a:ext>
+            </a:extLst>
+          </p:cNvPr>
+          <p:cNvSpPr txBox="1"/>
+          <p:nvPr/>
+        </p:nvSpPr>
+        <p:spPr>
+          <a:xfrm>
+            <a:off x="634466" y="307395"/>
+            <a:ext cx="6465219" cy="584775"/>
+          </a:xfrm>
+          <a:prstGeom prst="rect">
+            <a:avLst/>
+          </a:prstGeom>
+          <a:noFill/>
+        </p:spPr>
+        <p:txBody>
+          <a:bodyPr wrap="square">
+            <a:spAutoFit/>
+          </a:bodyPr>
+          <a:lstStyle/>
+          <a:p>
+            <a:pPr>
+              <a:defRPr/>
+            </a:pPr>
+            <a:r>
+              <a:rPr lang="ko-KR" altLang="en-US" sz="1600" b="1" dirty="0">
+                <a:solidFill>
+                  <a:srgbClr val="445569"/>
+                </a:solidFill>
+                <a:latin typeface="+mn-ea"/>
+                <a:ea typeface="+mn-ea"/>
+              </a:rPr>
+              <a:t>렌터카를 인수하자</a:t>
+            </a:r>
+            <a:r>
+              <a:rPr lang="en-US" altLang="ko-KR" sz="1600" b="1" dirty="0" smtClean="0">
+                <a:solidFill>
+                  <a:srgbClr val="445569"/>
+                </a:solidFill>
+                <a:latin typeface="+mn-ea"/>
+                <a:ea typeface="+mn-ea"/>
+              </a:rPr>
+              <a:t>!</a:t>
+            </a:r>
+            <a:endParaRPr lang="en-US" altLang="ko-KR" sz="1600" b="1" dirty="0">
+              <a:solidFill>
+                <a:schemeClr val="tx2">
+                  <a:lumMod val="75000"/>
+                </a:schemeClr>
+              </a:solidFill>
+              <a:latin typeface="+mn-ea"/>
+              <a:ea typeface="+mn-ea"/>
+            </a:endParaRPr>
+          </a:p>
+          <a:p>
+            <a:pPr>
+              <a:defRPr/>
+            </a:pPr>
+            <a:r>
+              <a:rPr lang="ko-KR" altLang="en-US" sz="1600" b="1" dirty="0" smtClean="0">
+                <a:solidFill>
+                  <a:schemeClr val="tx2">
+                    <a:lumMod val="75000"/>
+                  </a:schemeClr>
+                </a:solidFill>
+                <a:latin typeface="+mn-ea"/>
+                <a:ea typeface="+mn-ea"/>
+              </a:rPr>
+              <a:t>아이디 저장하기 </a:t>
+            </a:r>
+            <a:r>
+              <a:rPr lang="en-US" altLang="ko-KR" sz="1600" b="1" dirty="0" smtClean="0">
+                <a:solidFill>
+                  <a:schemeClr val="tx2">
+                    <a:lumMod val="75000"/>
+                  </a:schemeClr>
+                </a:solidFill>
+                <a:latin typeface="+mn-ea"/>
+                <a:ea typeface="+mn-ea"/>
+              </a:rPr>
+              <a:t>- </a:t>
+            </a:r>
+            <a:r>
+              <a:rPr lang="ko-KR" altLang="en-US" sz="1600" b="1" dirty="0" smtClean="0">
+                <a:solidFill>
+                  <a:schemeClr val="tx2">
+                    <a:lumMod val="75000"/>
+                  </a:schemeClr>
+                </a:solidFill>
+                <a:latin typeface="+mn-ea"/>
+                <a:ea typeface="+mn-ea"/>
+              </a:rPr>
+              <a:t>쿠키</a:t>
+            </a:r>
+            <a:endParaRPr lang="en-US" altLang="ko-KR" sz="1600" b="1" dirty="0">
+              <a:solidFill>
+                <a:schemeClr val="tx2">
+                  <a:lumMod val="75000"/>
+                </a:schemeClr>
+              </a:solidFill>
+              <a:latin typeface="+mn-ea"/>
+              <a:ea typeface="+mn-ea"/>
+            </a:endParaRPr>
+          </a:p>
+        </p:txBody>
+      </p:sp>
+      <p:sp>
+        <p:nvSpPr>
+          <p:cNvPr id="10" name="텍스트 개체 틀 31">
+            <a:extLst>
+              <a:ext uri="{FF2B5EF4-FFF2-40B4-BE49-F238E27FC236}">
+                <a16:creationId xmlns:a16="http://schemas.microsoft.com/office/drawing/2014/main" id="{82F43559-8534-46C3-9C2D-0ECDE18C02EE}"/>
+              </a:ext>
+            </a:extLst>
+          </p:cNvPr>
+          <p:cNvSpPr txBox="1">
+            <a:spLocks/>
+          </p:cNvSpPr>
+          <p:nvPr/>
+        </p:nvSpPr>
+        <p:spPr>
+          <a:xfrm>
+            <a:off x="947428" y="2096853"/>
+            <a:ext cx="1548172" cy="1582126"/>
+          </a:xfrm>
+          <a:prstGeom prst="rect">
+            <a:avLst/>
+          </a:prstGeom>
+        </p:spPr>
+        <p:txBody>
+          <a:bodyPr/>
+          <a:lstStyle>
+            <a:lvl1pPr marL="228600" indent="-228600" algn="l" rtl="0" eaLnBrk="0" fontAlgn="base" latinLnBrk="1" hangingPunct="0">
+              <a:lnSpc>
+                <a:spcPct val="90000"/>
+              </a:lnSpc>
+              <a:spcBef>
+                <a:spcPts val="1000"/>
+              </a:spcBef>
+              <a:spcAft>
+                <a:spcPct val="0"/>
+              </a:spcAft>
+              <a:buFont typeface="Arial" panose="020B0604020202020204" pitchFamily="34" charset="0"/>
+              <a:buChar char="•"/>
+              <a:defRPr sz="2800" kern="1200">
+                <a:solidFill>
+                  <a:schemeClr val="tx1"/>
+                </a:solidFill>
+                <a:latin typeface="+mn-lt"/>
+                <a:ea typeface="+mn-ea"/>
+                <a:cs typeface="+mn-cs"/>
+              </a:defRPr>
+            </a:lvl1pPr>
+            <a:lvl2pPr marL="685800" indent="-228600" algn="l" rtl="0" eaLnBrk="0" fontAlgn="base" latinLnBrk="1" hangingPunct="0">
+              <a:lnSpc>
+                <a:spcPct val="90000"/>
+              </a:lnSpc>
+              <a:spcBef>
+                <a:spcPts val="500"/>
+              </a:spcBef>
+              <a:spcAft>
+                <a:spcPct val="0"/>
+              </a:spcAft>
+              <a:buFont typeface="Arial" panose="020B0604020202020204" pitchFamily="34" charset="0"/>
+              <a:buChar char="•"/>
+              <a:defRPr sz="2400" kern="1200">
+                <a:solidFill>
+                  <a:schemeClr val="tx1"/>
+                </a:solidFill>
+                <a:latin typeface="+mn-lt"/>
+                <a:ea typeface="+mn-ea"/>
+                <a:cs typeface="+mn-cs"/>
+              </a:defRPr>
+            </a:lvl2pPr>
+            <a:lvl3pPr marL="1143000" indent="-228600" algn="l" rtl="0" eaLnBrk="0" fontAlgn="base" latinLnBrk="1" hangingPunct="0">
+              <a:lnSpc>
+                <a:spcPct val="90000"/>
+              </a:lnSpc>
+              <a:spcBef>
+                <a:spcPts val="500"/>
+              </a:spcBef>
+              <a:spcAft>
+                <a:spcPct val="0"/>
+              </a:spcAft>
+              <a:buFont typeface="Arial" panose="020B0604020202020204" pitchFamily="34" charset="0"/>
+              <a:buChar char="•"/>
+              <a:defRPr sz="2000" kern="1200">
+                <a:solidFill>
+                  <a:schemeClr val="tx1"/>
+                </a:solidFill>
+                <a:latin typeface="+mn-lt"/>
+                <a:ea typeface="+mn-ea"/>
+                <a:cs typeface="+mn-cs"/>
+              </a:defRPr>
+            </a:lvl3pPr>
+            <a:lvl4pPr marL="1600200" indent="-228600" algn="l" rtl="0" eaLnBrk="0" fontAlgn="base" latinLnBrk="1" hangingPunct="0">
+              <a:lnSpc>
+                <a:spcPct val="90000"/>
+              </a:lnSpc>
+              <a:spcBef>
+                <a:spcPts val="500"/>
+              </a:spcBef>
+              <a:spcAft>
+                <a:spcPct val="0"/>
+              </a:spcAft>
+              <a:buFont typeface="Arial" panose="020B0604020202020204" pitchFamily="34" charset="0"/>
+              <a:buChar char="•"/>
+              <a:defRPr sz="2000" kern="1200">
+                <a:solidFill>
+                  <a:schemeClr val="tx1"/>
+                </a:solidFill>
+                <a:latin typeface="+mn-lt"/>
+                <a:ea typeface="+mn-ea"/>
+                <a:cs typeface="+mn-cs"/>
+              </a:defRPr>
+            </a:lvl4pPr>
+            <a:lvl5pPr marL="2057400" indent="-228600" algn="l" rtl="0" eaLnBrk="0" fontAlgn="base" latinLnBrk="1" hangingPunct="0">
+              <a:lnSpc>
+                <a:spcPct val="90000"/>
+              </a:lnSpc>
+              <a:spcBef>
+                <a:spcPts val="500"/>
+              </a:spcBef>
+              <a:spcAft>
+                <a:spcPct val="0"/>
+              </a:spcAft>
+              <a:buFont typeface="Arial" panose="020B0604020202020204" pitchFamily="34" charset="0"/>
+              <a:buChar char="•"/>
+              <a:defRPr sz="2000" kern="1200">
+                <a:solidFill>
+                  <a:schemeClr val="tx1"/>
+                </a:solidFill>
+                <a:latin typeface="+mn-lt"/>
+                <a:ea typeface="+mn-ea"/>
+                <a:cs typeface="+mn-cs"/>
+              </a:defRPr>
+            </a:lvl5pPr>
+            <a:lvl6pPr marL="2514600" indent="-228600" algn="l" defTabSz="914400" rtl="0" eaLnBrk="1" latinLnBrk="1" hangingPunct="1">
+              <a:lnSpc>
+                <a:spcPct val="90000"/>
+              </a:lnSpc>
+              <a:spcBef>
+                <a:spcPts val="500"/>
+              </a:spcBef>
+              <a:buFont typeface="Arial" panose="020B0604020202020204" pitchFamily="34" charset="0"/>
+              <a:buChar char="•"/>
+              <a:defRPr sz="1800" kern="1200">
+                <a:solidFill>
+                  <a:schemeClr val="tx1"/>
+                </a:solidFill>
+                <a:latin typeface="+mn-lt"/>
+                <a:ea typeface="+mn-ea"/>
+                <a:cs typeface="+mn-cs"/>
+              </a:defRPr>
+            </a:lvl6pPr>
+            <a:lvl7pPr marL="2971800" indent="-228600" algn="l" defTabSz="914400" rtl="0" eaLnBrk="1" latinLnBrk="1" hangingPunct="1">
+              <a:lnSpc>
+                <a:spcPct val="90000"/>
+              </a:lnSpc>
+              <a:spcBef>
+                <a:spcPts val="500"/>
+              </a:spcBef>
+              <a:buFont typeface="Arial" panose="020B0604020202020204" pitchFamily="34" charset="0"/>
+              <a:buChar char="•"/>
+              <a:defRPr sz="1800" kern="1200">
+                <a:solidFill>
+                  <a:schemeClr val="tx1"/>
+                </a:solidFill>
+                <a:latin typeface="+mn-lt"/>
+                <a:ea typeface="+mn-ea"/>
+                <a:cs typeface="+mn-cs"/>
+              </a:defRPr>
+            </a:lvl7pPr>
+            <a:lvl8pPr marL="3429000" indent="-228600" algn="l" defTabSz="914400" rtl="0" eaLnBrk="1" latinLnBrk="1" hangingPunct="1">
+              <a:lnSpc>
+                <a:spcPct val="90000"/>
+              </a:lnSpc>
+              <a:spcBef>
+                <a:spcPts val="500"/>
+              </a:spcBef>
+              <a:buFont typeface="Arial" panose="020B0604020202020204" pitchFamily="34" charset="0"/>
+              <a:buChar char="•"/>
+              <a:defRPr sz="1800" kern="1200">
+                <a:solidFill>
+                  <a:schemeClr val="tx1"/>
+                </a:solidFill>
+                <a:latin typeface="+mn-lt"/>
+                <a:ea typeface="+mn-ea"/>
+                <a:cs typeface="+mn-cs"/>
+              </a:defRPr>
+            </a:lvl8pPr>
+            <a:lvl9pPr marL="3886200" indent="-228600" algn="l" defTabSz="914400" rtl="0" eaLnBrk="1" latinLnBrk="1" hangingPunct="1">
+              <a:lnSpc>
+                <a:spcPct val="90000"/>
+              </a:lnSpc>
+              <a:spcBef>
+                <a:spcPts val="500"/>
+              </a:spcBef>
+              <a:buFont typeface="Arial" panose="020B0604020202020204" pitchFamily="34" charset="0"/>
+              <a:buChar char="•"/>
+              <a:defRPr sz="1800" kern="1200">
+                <a:solidFill>
+                  <a:schemeClr val="tx1"/>
+                </a:solidFill>
+                <a:latin typeface="+mn-lt"/>
+                <a:ea typeface="+mn-ea"/>
+                <a:cs typeface="+mn-cs"/>
+              </a:defRPr>
+            </a:lvl9pPr>
+          </a:lstStyle>
+          <a:p>
+            <a:pPr marL="0" indent="0" algn="r">
+              <a:buNone/>
+            </a:pPr>
+            <a:r>
+              <a:rPr lang="ko-KR" altLang="en-US" sz="1400" dirty="0" smtClean="0"/>
+              <a:t>계정 구분</a:t>
+            </a:r>
+            <a:endParaRPr lang="en-US" altLang="ko-KR" sz="1400" dirty="0" smtClean="0"/>
+          </a:p>
+          <a:p>
+            <a:pPr marL="0" indent="0" algn="r">
+              <a:buNone/>
+            </a:pPr>
+            <a:r>
+              <a:rPr lang="ko-KR" altLang="en-US" sz="1400" dirty="0" smtClean="0"/>
+              <a:t>비밀번호 확인</a:t>
+            </a:r>
+            <a:endParaRPr lang="en-US" altLang="ko-KR" sz="1400" dirty="0" smtClean="0"/>
+          </a:p>
+          <a:p>
+            <a:pPr marL="0" indent="0" algn="r">
+              <a:buNone/>
+            </a:pPr>
+            <a:endParaRPr lang="en-US" altLang="ko-KR" sz="1400" dirty="0"/>
+          </a:p>
+        </p:txBody>
+      </p:sp>
+    </p:spTree>
+    <p:extLst>
+      <p:ext uri="{BB962C8B-B14F-4D97-AF65-F5344CB8AC3E}">
+        <p14:creationId xmlns:p14="http://schemas.microsoft.com/office/powerpoint/2010/main" val="933311202"/>
+      </p:ext>
+    </p:extLst>
+  </p:cSld>
+  <p:clrMapOvr>
+    <a:masterClrMapping/>
+  </p:clrMapOvr>
+  <p:timing>
+    <p:tnLst>
+      <p:par>
+        <p:cTn id="1" dur="indefinite" restart="never" nodeType="tmRoot"/>
+      </p:par>
+    </p:tnLst>
+  </p:timing>
+</p:sld>
+</file>
+
+<file path=ppt/slides/slide16.xml><?xml version="1.0" encoding="utf-8"?>
+<p:sld xmlns:a="http://schemas.openxmlformats.org/drawingml/2006/main" xmlns:r="http://schemas.openxmlformats.org/officeDocument/2006/relationships" xmlns:p="http://schemas.openxmlformats.org/presentationml/2006/main">
+  <p:cSld>
+    <p:spTree>
+      <p:nvGrpSpPr>
+        <p:cNvPr id="1" name=""/>
+        <p:cNvGrpSpPr/>
+        <p:nvPr/>
+      </p:nvGrpSpPr>
+      <p:grpSpPr>
+        <a:xfrm>
+          <a:off x="0" y="0"/>
+          <a:ext cx="0" cy="0"/>
+          <a:chOff x="0" y="0"/>
+          <a:chExt cx="0" cy="0"/>
+        </a:xfrm>
+      </p:grpSpPr>
+      <p:sp>
+        <p:nvSpPr>
+          <p:cNvPr id="7" name="텍스트 개체 틀 31">
+            <a:extLst>
+              <a:ext uri="{FF2B5EF4-FFF2-40B4-BE49-F238E27FC236}">
+                <a16:creationId xmlns:a16="http://schemas.microsoft.com/office/drawing/2014/main" id="{82F43559-8534-46C3-9C2D-0ECDE18C02EE}"/>
+              </a:ext>
+            </a:extLst>
+          </p:cNvPr>
+          <p:cNvSpPr txBox="1">
+            <a:spLocks/>
+          </p:cNvSpPr>
+          <p:nvPr/>
+        </p:nvSpPr>
+        <p:spPr>
+          <a:xfrm>
+            <a:off x="1102292" y="2131848"/>
+            <a:ext cx="8774127" cy="649436"/>
+          </a:xfrm>
+          <a:prstGeom prst="rect">
+            <a:avLst/>
+          </a:prstGeom>
+        </p:spPr>
+        <p:txBody>
+          <a:bodyPr/>
+          <a:lstStyle>
+            <a:lvl1pPr marL="228600" indent="-228600" algn="l" rtl="0" eaLnBrk="0" fontAlgn="base" latinLnBrk="1" hangingPunct="0">
+              <a:lnSpc>
+                <a:spcPct val="90000"/>
+              </a:lnSpc>
+              <a:spcBef>
+                <a:spcPts val="1000"/>
+              </a:spcBef>
+              <a:spcAft>
+                <a:spcPct val="0"/>
+              </a:spcAft>
+              <a:buFont typeface="Arial" panose="020B0604020202020204" pitchFamily="34" charset="0"/>
+              <a:buChar char="•"/>
+              <a:defRPr sz="2800" kern="1200">
+                <a:solidFill>
+                  <a:schemeClr val="tx1"/>
+                </a:solidFill>
+                <a:latin typeface="+mn-lt"/>
+                <a:ea typeface="+mn-ea"/>
+                <a:cs typeface="+mn-cs"/>
+              </a:defRPr>
+            </a:lvl1pPr>
+            <a:lvl2pPr marL="685800" indent="-228600" algn="l" rtl="0" eaLnBrk="0" fontAlgn="base" latinLnBrk="1" hangingPunct="0">
+              <a:lnSpc>
+                <a:spcPct val="90000"/>
+              </a:lnSpc>
+              <a:spcBef>
+                <a:spcPts val="500"/>
+              </a:spcBef>
+              <a:spcAft>
+                <a:spcPct val="0"/>
+              </a:spcAft>
+              <a:buFont typeface="Arial" panose="020B0604020202020204" pitchFamily="34" charset="0"/>
+              <a:buChar char="•"/>
+              <a:defRPr sz="2400" kern="1200">
+                <a:solidFill>
+                  <a:schemeClr val="tx1"/>
+                </a:solidFill>
+                <a:latin typeface="+mn-lt"/>
+                <a:ea typeface="+mn-ea"/>
+                <a:cs typeface="+mn-cs"/>
+              </a:defRPr>
+            </a:lvl2pPr>
+            <a:lvl3pPr marL="1143000" indent="-228600" algn="l" rtl="0" eaLnBrk="0" fontAlgn="base" latinLnBrk="1" hangingPunct="0">
+              <a:lnSpc>
+                <a:spcPct val="90000"/>
+              </a:lnSpc>
+              <a:spcBef>
+                <a:spcPts val="500"/>
+              </a:spcBef>
+              <a:spcAft>
+                <a:spcPct val="0"/>
+              </a:spcAft>
+              <a:buFont typeface="Arial" panose="020B0604020202020204" pitchFamily="34" charset="0"/>
+              <a:buChar char="•"/>
+              <a:defRPr sz="2000" kern="1200">
+                <a:solidFill>
+                  <a:schemeClr val="tx1"/>
+                </a:solidFill>
+                <a:latin typeface="+mn-lt"/>
+                <a:ea typeface="+mn-ea"/>
+                <a:cs typeface="+mn-cs"/>
+              </a:defRPr>
+            </a:lvl3pPr>
+            <a:lvl4pPr marL="1600200" indent="-228600" algn="l" rtl="0" eaLnBrk="0" fontAlgn="base" latinLnBrk="1" hangingPunct="0">
+              <a:lnSpc>
+                <a:spcPct val="90000"/>
+              </a:lnSpc>
+              <a:spcBef>
+                <a:spcPts val="500"/>
+              </a:spcBef>
+              <a:spcAft>
+                <a:spcPct val="0"/>
+              </a:spcAft>
+              <a:buFont typeface="Arial" panose="020B0604020202020204" pitchFamily="34" charset="0"/>
+              <a:buChar char="•"/>
+              <a:defRPr sz="2000" kern="1200">
+                <a:solidFill>
+                  <a:schemeClr val="tx1"/>
+                </a:solidFill>
+                <a:latin typeface="+mn-lt"/>
+                <a:ea typeface="+mn-ea"/>
+                <a:cs typeface="+mn-cs"/>
+              </a:defRPr>
+            </a:lvl4pPr>
+            <a:lvl5pPr marL="2057400" indent="-228600" algn="l" rtl="0" eaLnBrk="0" fontAlgn="base" latinLnBrk="1" hangingPunct="0">
+              <a:lnSpc>
+                <a:spcPct val="90000"/>
+              </a:lnSpc>
+              <a:spcBef>
+                <a:spcPts val="500"/>
+              </a:spcBef>
+              <a:spcAft>
+                <a:spcPct val="0"/>
+              </a:spcAft>
+              <a:buFont typeface="Arial" panose="020B0604020202020204" pitchFamily="34" charset="0"/>
+              <a:buChar char="•"/>
+              <a:defRPr sz="2000" kern="1200">
+                <a:solidFill>
+                  <a:schemeClr val="tx1"/>
+                </a:solidFill>
+                <a:latin typeface="+mn-lt"/>
+                <a:ea typeface="+mn-ea"/>
+                <a:cs typeface="+mn-cs"/>
+              </a:defRPr>
+            </a:lvl5pPr>
+            <a:lvl6pPr marL="2514600" indent="-228600" algn="l" defTabSz="914400" rtl="0" eaLnBrk="1" latinLnBrk="1" hangingPunct="1">
+              <a:lnSpc>
+                <a:spcPct val="90000"/>
+              </a:lnSpc>
+              <a:spcBef>
+                <a:spcPts val="500"/>
+              </a:spcBef>
+              <a:buFont typeface="Arial" panose="020B0604020202020204" pitchFamily="34" charset="0"/>
+              <a:buChar char="•"/>
+              <a:defRPr sz="1800" kern="1200">
+                <a:solidFill>
+                  <a:schemeClr val="tx1"/>
+                </a:solidFill>
+                <a:latin typeface="+mn-lt"/>
+                <a:ea typeface="+mn-ea"/>
+                <a:cs typeface="+mn-cs"/>
+              </a:defRPr>
+            </a:lvl6pPr>
+            <a:lvl7pPr marL="2971800" indent="-228600" algn="l" defTabSz="914400" rtl="0" eaLnBrk="1" latinLnBrk="1" hangingPunct="1">
+              <a:lnSpc>
+                <a:spcPct val="90000"/>
+              </a:lnSpc>
+              <a:spcBef>
+                <a:spcPts val="500"/>
+              </a:spcBef>
+              <a:buFont typeface="Arial" panose="020B0604020202020204" pitchFamily="34" charset="0"/>
+              <a:buChar char="•"/>
+              <a:defRPr sz="1800" kern="1200">
+                <a:solidFill>
+                  <a:schemeClr val="tx1"/>
+                </a:solidFill>
+                <a:latin typeface="+mn-lt"/>
+                <a:ea typeface="+mn-ea"/>
+                <a:cs typeface="+mn-cs"/>
+              </a:defRPr>
+            </a:lvl7pPr>
+            <a:lvl8pPr marL="3429000" indent="-228600" algn="l" defTabSz="914400" rtl="0" eaLnBrk="1" latinLnBrk="1" hangingPunct="1">
+              <a:lnSpc>
+                <a:spcPct val="90000"/>
+              </a:lnSpc>
+              <a:spcBef>
+                <a:spcPts val="500"/>
+              </a:spcBef>
+              <a:buFont typeface="Arial" panose="020B0604020202020204" pitchFamily="34" charset="0"/>
+              <a:buChar char="•"/>
+              <a:defRPr sz="1800" kern="1200">
+                <a:solidFill>
+                  <a:schemeClr val="tx1"/>
+                </a:solidFill>
+                <a:latin typeface="+mn-lt"/>
+                <a:ea typeface="+mn-ea"/>
+                <a:cs typeface="+mn-cs"/>
+              </a:defRPr>
+            </a:lvl8pPr>
+            <a:lvl9pPr marL="3886200" indent="-228600" algn="l" defTabSz="914400" rtl="0" eaLnBrk="1" latinLnBrk="1" hangingPunct="1">
+              <a:lnSpc>
+                <a:spcPct val="90000"/>
+              </a:lnSpc>
+              <a:spcBef>
+                <a:spcPts val="500"/>
+              </a:spcBef>
+              <a:buFont typeface="Arial" panose="020B0604020202020204" pitchFamily="34" charset="0"/>
+              <a:buChar char="•"/>
+              <a:defRPr sz="1800" kern="1200">
+                <a:solidFill>
+                  <a:schemeClr val="tx1"/>
+                </a:solidFill>
+                <a:latin typeface="+mn-lt"/>
+                <a:ea typeface="+mn-ea"/>
+                <a:cs typeface="+mn-cs"/>
+              </a:defRPr>
+            </a:lvl9pPr>
+          </a:lstStyle>
+          <a:p>
+            <a:pPr marL="0" indent="0">
+              <a:buNone/>
+            </a:pPr>
+            <a:r>
+              <a:rPr lang="en-US" altLang="ko-KR" sz="1400" dirty="0" smtClean="0"/>
+              <a:t>. </a:t>
+            </a:r>
+            <a:r>
+              <a:rPr lang="ko-KR" altLang="en-US" sz="1400" dirty="0" smtClean="0"/>
+              <a:t>세션에 아이디 값이 있는지 확인</a:t>
+            </a:r>
+            <a:endParaRPr lang="en-US" altLang="ko-KR" sz="1400" dirty="0" smtClean="0"/>
+          </a:p>
+          <a:p>
+            <a:pPr marL="0" indent="0">
+              <a:buNone/>
+            </a:pPr>
+            <a:r>
+              <a:rPr lang="en-US" altLang="ko-KR" sz="1600" dirty="0" smtClean="0"/>
+              <a:t>&lt;%@ </a:t>
+            </a:r>
+            <a:r>
+              <a:rPr lang="en-US" altLang="ko-KR" sz="1600" b="1" dirty="0"/>
+              <a:t>include file=</a:t>
+            </a:r>
+            <a:r>
+              <a:rPr lang="en-US" altLang="ko-KR" sz="1600" b="1" i="1" dirty="0"/>
+              <a:t>"/Solo/</a:t>
+            </a:r>
+            <a:r>
+              <a:rPr lang="en-US" altLang="ko-KR" sz="1600" b="1" i="1" dirty="0" err="1"/>
+              <a:t>IsLoggedIn.jsp</a:t>
+            </a:r>
+            <a:r>
+              <a:rPr lang="en-US" altLang="ko-KR" sz="1600" b="1" i="1" dirty="0"/>
+              <a:t>" %&gt;</a:t>
+            </a:r>
+            <a:endParaRPr lang="en-US" altLang="ko-KR" sz="1000" dirty="0"/>
+          </a:p>
+        </p:txBody>
+      </p:sp>
+      <p:cxnSp>
+        <p:nvCxnSpPr>
+          <p:cNvPr id="49" name="직선 연결선 48">
+            <a:extLst>
+              <a:ext uri="{FF2B5EF4-FFF2-40B4-BE49-F238E27FC236}">
+                <a16:creationId xmlns:a16="http://schemas.microsoft.com/office/drawing/2014/main" id="{B6E6CC53-B054-47F8-8DB4-4F5E79EAE68F}"/>
+              </a:ext>
+            </a:extLst>
+          </p:cNvPr>
+          <p:cNvCxnSpPr>
+            <a:cxnSpLocks/>
+          </p:cNvCxnSpPr>
+          <p:nvPr/>
+        </p:nvCxnSpPr>
+        <p:spPr>
+          <a:xfrm flipV="1">
+            <a:off x="3359696" y="241204"/>
+            <a:ext cx="8460829" cy="10065"/>
+          </a:xfrm>
+          <a:prstGeom prst="line">
+            <a:avLst/>
+          </a:prstGeom>
+          <a:ln w="9525">
+            <a:solidFill>
+              <a:srgbClr val="445569"/>
+            </a:solidFill>
+          </a:ln>
+        </p:spPr>
+        <p:style>
+          <a:lnRef idx="1">
+            <a:schemeClr val="accent1"/>
+          </a:lnRef>
+          <a:fillRef idx="0">
+            <a:schemeClr val="accent1"/>
+          </a:fillRef>
+          <a:effectRef idx="0">
+            <a:schemeClr val="accent1"/>
+          </a:effectRef>
+          <a:fontRef idx="minor">
+            <a:schemeClr val="tx1"/>
+          </a:fontRef>
+        </p:style>
+      </p:cxnSp>
+      <p:sp>
+        <p:nvSpPr>
+          <p:cNvPr id="50" name="직사각형 49">
+            <a:extLst>
+              <a:ext uri="{FF2B5EF4-FFF2-40B4-BE49-F238E27FC236}">
+                <a16:creationId xmlns:a16="http://schemas.microsoft.com/office/drawing/2014/main" id="{F555D67C-0100-4578-A97E-7D39DD04B742}"/>
+              </a:ext>
+            </a:extLst>
+          </p:cNvPr>
+          <p:cNvSpPr/>
+          <p:nvPr/>
+        </p:nvSpPr>
+        <p:spPr>
+          <a:xfrm>
+            <a:off x="456792" y="299706"/>
+            <a:ext cx="45719" cy="364833"/>
+          </a:xfrm>
+          <a:prstGeom prst="rect">
+            <a:avLst/>
+          </a:prstGeom>
+          <a:solidFill>
+            <a:srgbClr val="445569"/>
+          </a:solidFill>
+          <a:ln>
+            <a:solidFill>
+              <a:srgbClr val="445569"/>
+            </a:solidFill>
+          </a:ln>
+        </p:spPr>
+        <p:style>
+          <a:lnRef idx="2">
+            <a:schemeClr val="accent1">
+              <a:shade val="50000"/>
+            </a:schemeClr>
+          </a:lnRef>
+          <a:fillRef idx="1">
+            <a:schemeClr val="accent1"/>
+          </a:fillRef>
+          <a:effectRef idx="0">
+            <a:schemeClr val="accent1"/>
+          </a:effectRef>
+          <a:fontRef idx="minor">
+            <a:schemeClr val="lt1"/>
+          </a:fontRef>
+        </p:style>
+        <p:txBody>
+          <a:bodyPr anchor="ctr"/>
+          <a:lstStyle/>
+          <a:p>
+            <a:pPr algn="ctr">
+              <a:defRPr/>
+            </a:pPr>
+            <a:endParaRPr lang="ko-KR" altLang="en-US"/>
+          </a:p>
+        </p:txBody>
+      </p:sp>
+      <p:sp>
+        <p:nvSpPr>
+          <p:cNvPr id="51" name="TextBox 50">
+            <a:extLst>
+              <a:ext uri="{FF2B5EF4-FFF2-40B4-BE49-F238E27FC236}">
+                <a16:creationId xmlns:a16="http://schemas.microsoft.com/office/drawing/2014/main" id="{41C9A7DB-7A22-4918-A68B-F29014530E67}"/>
+              </a:ext>
+            </a:extLst>
+          </p:cNvPr>
+          <p:cNvSpPr txBox="1"/>
+          <p:nvPr/>
+        </p:nvSpPr>
+        <p:spPr>
+          <a:xfrm>
+            <a:off x="634466" y="307395"/>
+            <a:ext cx="6465219" cy="584775"/>
+          </a:xfrm>
+          <a:prstGeom prst="rect">
+            <a:avLst/>
+          </a:prstGeom>
+          <a:noFill/>
+        </p:spPr>
+        <p:txBody>
+          <a:bodyPr wrap="square">
+            <a:spAutoFit/>
+          </a:bodyPr>
+          <a:lstStyle/>
+          <a:p>
+            <a:pPr>
+              <a:defRPr/>
+            </a:pPr>
+            <a:r>
+              <a:rPr lang="ko-KR" altLang="en-US" sz="1600" b="1" dirty="0">
+                <a:solidFill>
+                  <a:srgbClr val="445569"/>
+                </a:solidFill>
+                <a:latin typeface="+mn-ea"/>
+                <a:ea typeface="+mn-ea"/>
+              </a:rPr>
+              <a:t>렌터카를 인수하자</a:t>
+            </a:r>
+            <a:r>
+              <a:rPr lang="en-US" altLang="ko-KR" sz="1600" b="1" dirty="0" smtClean="0">
+                <a:solidFill>
+                  <a:srgbClr val="445569"/>
+                </a:solidFill>
+                <a:latin typeface="+mn-ea"/>
+                <a:ea typeface="+mn-ea"/>
+              </a:rPr>
+              <a:t>!</a:t>
+            </a:r>
+            <a:endParaRPr lang="en-US" altLang="ko-KR" sz="1600" b="1" dirty="0">
+              <a:solidFill>
+                <a:schemeClr val="tx2">
+                  <a:lumMod val="75000"/>
+                </a:schemeClr>
+              </a:solidFill>
+              <a:latin typeface="+mn-ea"/>
+              <a:ea typeface="+mn-ea"/>
+            </a:endParaRPr>
+          </a:p>
+          <a:p>
+            <a:pPr>
+              <a:defRPr/>
+            </a:pPr>
+            <a:r>
+              <a:rPr lang="ko-KR" altLang="en-US" sz="1600" b="1" dirty="0" smtClean="0">
+                <a:solidFill>
+                  <a:schemeClr val="tx2">
+                    <a:lumMod val="75000"/>
+                  </a:schemeClr>
+                </a:solidFill>
+                <a:latin typeface="+mn-ea"/>
+                <a:ea typeface="+mn-ea"/>
+              </a:rPr>
+              <a:t>로그인 여부 확인</a:t>
+            </a:r>
+            <a:endParaRPr lang="en-US" altLang="ko-KR" sz="1600" b="1" dirty="0">
+              <a:solidFill>
+                <a:schemeClr val="tx2">
+                  <a:lumMod val="75000"/>
+                </a:schemeClr>
+              </a:solidFill>
+              <a:latin typeface="+mn-ea"/>
+              <a:ea typeface="+mn-ea"/>
+            </a:endParaRPr>
+          </a:p>
+        </p:txBody>
+      </p:sp>
+      <p:pic>
+        <p:nvPicPr>
+          <p:cNvPr id="4" name="그림 3"/>
+          <p:cNvPicPr>
+            <a:picLocks noChangeAspect="1"/>
+          </p:cNvPicPr>
+          <p:nvPr/>
+        </p:nvPicPr>
+        <p:blipFill>
+          <a:blip r:embed="rId2"/>
+          <a:stretch>
+            <a:fillRect/>
+          </a:stretch>
+        </p:blipFill>
+        <p:spPr>
+          <a:xfrm>
+            <a:off x="982664" y="2791356"/>
+            <a:ext cx="10226672" cy="1800200"/>
+          </a:xfrm>
+          <a:prstGeom prst="rect">
+            <a:avLst/>
+          </a:prstGeom>
+        </p:spPr>
+      </p:pic>
+    </p:spTree>
+    <p:extLst>
+      <p:ext uri="{BB962C8B-B14F-4D97-AF65-F5344CB8AC3E}">
+        <p14:creationId xmlns:p14="http://schemas.microsoft.com/office/powerpoint/2010/main" val="683219223"/>
+      </p:ext>
+    </p:extLst>
+  </p:cSld>
+  <p:clrMapOvr>
+    <a:masterClrMapping/>
+  </p:clrMapOvr>
+  <p:timing>
+    <p:tnLst>
+      <p:par>
+        <p:cTn id="1" dur="indefinite" restart="never" nodeType="tmRoot"/>
+      </p:par>
+    </p:tnLst>
+  </p:timing>
+</p:sld>
+</file>
+
+<file path=ppt/slides/slide17.xml><?xml version="1.0" encoding="utf-8"?>
+<p:sld xmlns:a="http://schemas.openxmlformats.org/drawingml/2006/main" xmlns:r="http://schemas.openxmlformats.org/officeDocument/2006/relationships" xmlns:p="http://schemas.openxmlformats.org/presentationml/2006/main">
+  <p:cSld>
+    <p:spTree>
+      <p:nvGrpSpPr>
+        <p:cNvPr id="1" name=""/>
+        <p:cNvGrpSpPr/>
+        <p:nvPr/>
+      </p:nvGrpSpPr>
+      <p:grpSpPr>
+        <a:xfrm>
+          <a:off x="0" y="0"/>
+          <a:ext cx="0" cy="0"/>
+          <a:chOff x="0" y="0"/>
+          <a:chExt cx="0" cy="0"/>
+        </a:xfrm>
+      </p:grpSpPr>
+      <p:cxnSp>
+        <p:nvCxnSpPr>
+          <p:cNvPr id="49" name="직선 연결선 48">
+            <a:extLst>
+              <a:ext uri="{FF2B5EF4-FFF2-40B4-BE49-F238E27FC236}">
+                <a16:creationId xmlns:a16="http://schemas.microsoft.com/office/drawing/2014/main" id="{B6E6CC53-B054-47F8-8DB4-4F5E79EAE68F}"/>
+              </a:ext>
+            </a:extLst>
+          </p:cNvPr>
+          <p:cNvCxnSpPr>
+            <a:cxnSpLocks/>
+          </p:cNvCxnSpPr>
+          <p:nvPr/>
+        </p:nvCxnSpPr>
+        <p:spPr>
+          <a:xfrm flipV="1">
+            <a:off x="3359696" y="241204"/>
+            <a:ext cx="8460829" cy="10065"/>
+          </a:xfrm>
+          <a:prstGeom prst="line">
+            <a:avLst/>
+          </a:prstGeom>
+          <a:ln w="9525">
+            <a:solidFill>
+              <a:srgbClr val="445569"/>
+            </a:solidFill>
+          </a:ln>
+        </p:spPr>
+        <p:style>
+          <a:lnRef idx="1">
+            <a:schemeClr val="accent1"/>
+          </a:lnRef>
+          <a:fillRef idx="0">
+            <a:schemeClr val="accent1"/>
+          </a:fillRef>
+          <a:effectRef idx="0">
+            <a:schemeClr val="accent1"/>
+          </a:effectRef>
+          <a:fontRef idx="minor">
+            <a:schemeClr val="tx1"/>
+          </a:fontRef>
+        </p:style>
+      </p:cxnSp>
+      <p:sp>
+        <p:nvSpPr>
+          <p:cNvPr id="50" name="직사각형 49">
+            <a:extLst>
+              <a:ext uri="{FF2B5EF4-FFF2-40B4-BE49-F238E27FC236}">
+                <a16:creationId xmlns:a16="http://schemas.microsoft.com/office/drawing/2014/main" id="{F555D67C-0100-4578-A97E-7D39DD04B742}"/>
+              </a:ext>
+            </a:extLst>
+          </p:cNvPr>
+          <p:cNvSpPr/>
+          <p:nvPr/>
+        </p:nvSpPr>
+        <p:spPr>
+          <a:xfrm>
+            <a:off x="456792" y="299706"/>
+            <a:ext cx="45719" cy="364833"/>
+          </a:xfrm>
+          <a:prstGeom prst="rect">
+            <a:avLst/>
+          </a:prstGeom>
+          <a:solidFill>
+            <a:srgbClr val="445569"/>
+          </a:solidFill>
+          <a:ln>
+            <a:solidFill>
+              <a:srgbClr val="445569"/>
+            </a:solidFill>
+          </a:ln>
+        </p:spPr>
+        <p:style>
+          <a:lnRef idx="2">
+            <a:schemeClr val="accent1">
+              <a:shade val="50000"/>
+            </a:schemeClr>
+          </a:lnRef>
+          <a:fillRef idx="1">
+            <a:schemeClr val="accent1"/>
+          </a:fillRef>
+          <a:effectRef idx="0">
+            <a:schemeClr val="accent1"/>
+          </a:effectRef>
+          <a:fontRef idx="minor">
+            <a:schemeClr val="lt1"/>
+          </a:fontRef>
+        </p:style>
+        <p:txBody>
+          <a:bodyPr anchor="ctr"/>
+          <a:lstStyle/>
+          <a:p>
+            <a:pPr algn="ctr">
+              <a:defRPr/>
+            </a:pPr>
+            <a:endParaRPr lang="ko-KR" altLang="en-US"/>
+          </a:p>
+        </p:txBody>
+      </p:sp>
+      <p:sp>
+        <p:nvSpPr>
+          <p:cNvPr id="51" name="TextBox 50">
+            <a:extLst>
+              <a:ext uri="{FF2B5EF4-FFF2-40B4-BE49-F238E27FC236}">
+                <a16:creationId xmlns:a16="http://schemas.microsoft.com/office/drawing/2014/main" id="{41C9A7DB-7A22-4918-A68B-F29014530E67}"/>
+              </a:ext>
+            </a:extLst>
+          </p:cNvPr>
+          <p:cNvSpPr txBox="1"/>
+          <p:nvPr/>
+        </p:nvSpPr>
+        <p:spPr>
+          <a:xfrm>
+            <a:off x="634466" y="307395"/>
+            <a:ext cx="6465219" cy="584775"/>
+          </a:xfrm>
+          <a:prstGeom prst="rect">
+            <a:avLst/>
+          </a:prstGeom>
+          <a:noFill/>
+        </p:spPr>
+        <p:txBody>
+          <a:bodyPr wrap="square">
+            <a:spAutoFit/>
+          </a:bodyPr>
+          <a:lstStyle/>
+          <a:p>
+            <a:pPr>
+              <a:defRPr/>
+            </a:pPr>
+            <a:r>
+              <a:rPr lang="ko-KR" altLang="en-US" sz="1600" b="1" dirty="0">
+                <a:solidFill>
+                  <a:srgbClr val="445569"/>
+                </a:solidFill>
+                <a:latin typeface="+mn-ea"/>
+                <a:ea typeface="+mn-ea"/>
+              </a:rPr>
+              <a:t>렌터카를 인수하자</a:t>
+            </a:r>
+            <a:r>
+              <a:rPr lang="en-US" altLang="ko-KR" sz="1600" b="1" dirty="0" smtClean="0">
+                <a:solidFill>
+                  <a:srgbClr val="445569"/>
+                </a:solidFill>
+                <a:latin typeface="+mn-ea"/>
+                <a:ea typeface="+mn-ea"/>
+              </a:rPr>
+              <a:t>!</a:t>
+            </a:r>
+            <a:endParaRPr lang="en-US" altLang="ko-KR" sz="1600" b="1" dirty="0">
+              <a:solidFill>
+                <a:schemeClr val="tx2">
+                  <a:lumMod val="75000"/>
+                </a:schemeClr>
+              </a:solidFill>
+              <a:latin typeface="+mn-ea"/>
+              <a:ea typeface="+mn-ea"/>
+            </a:endParaRPr>
+          </a:p>
+          <a:p>
+            <a:pPr>
+              <a:defRPr/>
+            </a:pPr>
+            <a:r>
+              <a:rPr lang="ko-KR" altLang="en-US" sz="1600" b="1" dirty="0" smtClean="0">
+                <a:solidFill>
+                  <a:schemeClr val="tx2">
+                    <a:lumMod val="75000"/>
+                  </a:schemeClr>
+                </a:solidFill>
+                <a:latin typeface="+mn-ea"/>
+                <a:ea typeface="+mn-ea"/>
+              </a:rPr>
+              <a:t>내가 쓴 글은 나만 수정 가능 </a:t>
+            </a:r>
+            <a:r>
+              <a:rPr lang="en-US" altLang="ko-KR" sz="1600" b="1" dirty="0" smtClean="0">
+                <a:solidFill>
+                  <a:schemeClr val="tx2">
+                    <a:lumMod val="75000"/>
+                  </a:schemeClr>
+                </a:solidFill>
+                <a:latin typeface="+mn-ea"/>
+                <a:ea typeface="+mn-ea"/>
+              </a:rPr>
+              <a:t>– </a:t>
+            </a:r>
+            <a:r>
+              <a:rPr lang="en-US" altLang="ko-KR" sz="1600" b="1" dirty="0" smtClean="0">
+                <a:solidFill>
+                  <a:schemeClr val="tx2">
+                    <a:lumMod val="75000"/>
+                  </a:schemeClr>
+                </a:solidFill>
+                <a:latin typeface="+mn-ea"/>
+                <a:ea typeface="+mn-ea"/>
+              </a:rPr>
+              <a:t>POST</a:t>
+            </a:r>
+            <a:endParaRPr lang="en-US" altLang="ko-KR" sz="1600" b="1" dirty="0">
+              <a:solidFill>
+                <a:schemeClr val="tx2">
+                  <a:lumMod val="75000"/>
+                </a:schemeClr>
+              </a:solidFill>
+              <a:latin typeface="+mn-ea"/>
+              <a:ea typeface="+mn-ea"/>
+            </a:endParaRPr>
+          </a:p>
+        </p:txBody>
+      </p:sp>
+      <p:sp>
+        <p:nvSpPr>
+          <p:cNvPr id="10" name="텍스트 개체 틀 31">
+            <a:extLst>
+              <a:ext uri="{FF2B5EF4-FFF2-40B4-BE49-F238E27FC236}">
+                <a16:creationId xmlns:a16="http://schemas.microsoft.com/office/drawing/2014/main" id="{82F43559-8534-46C3-9C2D-0ECDE18C02EE}"/>
+              </a:ext>
+            </a:extLst>
+          </p:cNvPr>
+          <p:cNvSpPr txBox="1">
+            <a:spLocks/>
+          </p:cNvSpPr>
+          <p:nvPr/>
+        </p:nvSpPr>
+        <p:spPr>
+          <a:xfrm>
+            <a:off x="3844204" y="3897052"/>
+            <a:ext cx="1548172" cy="455715"/>
+          </a:xfrm>
+          <a:prstGeom prst="rect">
+            <a:avLst/>
+          </a:prstGeom>
+        </p:spPr>
+        <p:txBody>
+          <a:bodyPr/>
+          <a:lstStyle>
+            <a:lvl1pPr marL="228600" indent="-228600" algn="l" rtl="0" eaLnBrk="0" fontAlgn="base" latinLnBrk="1" hangingPunct="0">
+              <a:lnSpc>
+                <a:spcPct val="90000"/>
+              </a:lnSpc>
+              <a:spcBef>
+                <a:spcPts val="1000"/>
+              </a:spcBef>
+              <a:spcAft>
+                <a:spcPct val="0"/>
+              </a:spcAft>
+              <a:buFont typeface="Arial" panose="020B0604020202020204" pitchFamily="34" charset="0"/>
+              <a:buChar char="•"/>
+              <a:defRPr sz="2800" kern="1200">
+                <a:solidFill>
+                  <a:schemeClr val="tx1"/>
+                </a:solidFill>
+                <a:latin typeface="+mn-lt"/>
+                <a:ea typeface="+mn-ea"/>
+                <a:cs typeface="+mn-cs"/>
+              </a:defRPr>
+            </a:lvl1pPr>
+            <a:lvl2pPr marL="685800" indent="-228600" algn="l" rtl="0" eaLnBrk="0" fontAlgn="base" latinLnBrk="1" hangingPunct="0">
+              <a:lnSpc>
+                <a:spcPct val="90000"/>
+              </a:lnSpc>
+              <a:spcBef>
+                <a:spcPts val="500"/>
+              </a:spcBef>
+              <a:spcAft>
+                <a:spcPct val="0"/>
+              </a:spcAft>
+              <a:buFont typeface="Arial" panose="020B0604020202020204" pitchFamily="34" charset="0"/>
+              <a:buChar char="•"/>
+              <a:defRPr sz="2400" kern="1200">
+                <a:solidFill>
+                  <a:schemeClr val="tx1"/>
+                </a:solidFill>
+                <a:latin typeface="+mn-lt"/>
+                <a:ea typeface="+mn-ea"/>
+                <a:cs typeface="+mn-cs"/>
+              </a:defRPr>
+            </a:lvl2pPr>
+            <a:lvl3pPr marL="1143000" indent="-228600" algn="l" rtl="0" eaLnBrk="0" fontAlgn="base" latinLnBrk="1" hangingPunct="0">
+              <a:lnSpc>
+                <a:spcPct val="90000"/>
+              </a:lnSpc>
+              <a:spcBef>
+                <a:spcPts val="500"/>
+              </a:spcBef>
+              <a:spcAft>
+                <a:spcPct val="0"/>
+              </a:spcAft>
+              <a:buFont typeface="Arial" panose="020B0604020202020204" pitchFamily="34" charset="0"/>
+              <a:buChar char="•"/>
+              <a:defRPr sz="2000" kern="1200">
+                <a:solidFill>
+                  <a:schemeClr val="tx1"/>
+                </a:solidFill>
+                <a:latin typeface="+mn-lt"/>
+                <a:ea typeface="+mn-ea"/>
+                <a:cs typeface="+mn-cs"/>
+              </a:defRPr>
+            </a:lvl3pPr>
+            <a:lvl4pPr marL="1600200" indent="-228600" algn="l" rtl="0" eaLnBrk="0" fontAlgn="base" latinLnBrk="1" hangingPunct="0">
+              <a:lnSpc>
+                <a:spcPct val="90000"/>
+              </a:lnSpc>
+              <a:spcBef>
+                <a:spcPts val="500"/>
+              </a:spcBef>
+              <a:spcAft>
+                <a:spcPct val="0"/>
+              </a:spcAft>
+              <a:buFont typeface="Arial" panose="020B0604020202020204" pitchFamily="34" charset="0"/>
+              <a:buChar char="•"/>
+              <a:defRPr sz="2000" kern="1200">
+                <a:solidFill>
+                  <a:schemeClr val="tx1"/>
+                </a:solidFill>
+                <a:latin typeface="+mn-lt"/>
+                <a:ea typeface="+mn-ea"/>
+                <a:cs typeface="+mn-cs"/>
+              </a:defRPr>
+            </a:lvl4pPr>
+            <a:lvl5pPr marL="2057400" indent="-228600" algn="l" rtl="0" eaLnBrk="0" fontAlgn="base" latinLnBrk="1" hangingPunct="0">
+              <a:lnSpc>
+                <a:spcPct val="90000"/>
+              </a:lnSpc>
+              <a:spcBef>
+                <a:spcPts val="500"/>
+              </a:spcBef>
+              <a:spcAft>
+                <a:spcPct val="0"/>
+              </a:spcAft>
+              <a:buFont typeface="Arial" panose="020B0604020202020204" pitchFamily="34" charset="0"/>
+              <a:buChar char="•"/>
+              <a:defRPr sz="2000" kern="1200">
+                <a:solidFill>
+                  <a:schemeClr val="tx1"/>
+                </a:solidFill>
+                <a:latin typeface="+mn-lt"/>
+                <a:ea typeface="+mn-ea"/>
+                <a:cs typeface="+mn-cs"/>
+              </a:defRPr>
+            </a:lvl5pPr>
+            <a:lvl6pPr marL="2514600" indent="-228600" algn="l" defTabSz="914400" rtl="0" eaLnBrk="1" latinLnBrk="1" hangingPunct="1">
+              <a:lnSpc>
+                <a:spcPct val="90000"/>
+              </a:lnSpc>
+              <a:spcBef>
+                <a:spcPts val="500"/>
+              </a:spcBef>
+              <a:buFont typeface="Arial" panose="020B0604020202020204" pitchFamily="34" charset="0"/>
+              <a:buChar char="•"/>
+              <a:defRPr sz="1800" kern="1200">
+                <a:solidFill>
+                  <a:schemeClr val="tx1"/>
+                </a:solidFill>
+                <a:latin typeface="+mn-lt"/>
+                <a:ea typeface="+mn-ea"/>
+                <a:cs typeface="+mn-cs"/>
+              </a:defRPr>
+            </a:lvl6pPr>
+            <a:lvl7pPr marL="2971800" indent="-228600" algn="l" defTabSz="914400" rtl="0" eaLnBrk="1" latinLnBrk="1" hangingPunct="1">
+              <a:lnSpc>
+                <a:spcPct val="90000"/>
+              </a:lnSpc>
+              <a:spcBef>
+                <a:spcPts val="500"/>
+              </a:spcBef>
+              <a:buFont typeface="Arial" panose="020B0604020202020204" pitchFamily="34" charset="0"/>
+              <a:buChar char="•"/>
+              <a:defRPr sz="1800" kern="1200">
+                <a:solidFill>
+                  <a:schemeClr val="tx1"/>
+                </a:solidFill>
+                <a:latin typeface="+mn-lt"/>
+                <a:ea typeface="+mn-ea"/>
+                <a:cs typeface="+mn-cs"/>
+              </a:defRPr>
+            </a:lvl7pPr>
+            <a:lvl8pPr marL="3429000" indent="-228600" algn="l" defTabSz="914400" rtl="0" eaLnBrk="1" latinLnBrk="1" hangingPunct="1">
+              <a:lnSpc>
+                <a:spcPct val="90000"/>
+              </a:lnSpc>
+              <a:spcBef>
+                <a:spcPts val="500"/>
+              </a:spcBef>
+              <a:buFont typeface="Arial" panose="020B0604020202020204" pitchFamily="34" charset="0"/>
+              <a:buChar char="•"/>
+              <a:defRPr sz="1800" kern="1200">
+                <a:solidFill>
+                  <a:schemeClr val="tx1"/>
+                </a:solidFill>
+                <a:latin typeface="+mn-lt"/>
+                <a:ea typeface="+mn-ea"/>
+                <a:cs typeface="+mn-cs"/>
+              </a:defRPr>
+            </a:lvl8pPr>
+            <a:lvl9pPr marL="3886200" indent="-228600" algn="l" defTabSz="914400" rtl="0" eaLnBrk="1" latinLnBrk="1" hangingPunct="1">
+              <a:lnSpc>
+                <a:spcPct val="90000"/>
+              </a:lnSpc>
+              <a:spcBef>
+                <a:spcPts val="500"/>
+              </a:spcBef>
+              <a:buFont typeface="Arial" panose="020B0604020202020204" pitchFamily="34" charset="0"/>
+              <a:buChar char="•"/>
+              <a:defRPr sz="1800" kern="1200">
+                <a:solidFill>
+                  <a:schemeClr val="tx1"/>
+                </a:solidFill>
+                <a:latin typeface="+mn-lt"/>
+                <a:ea typeface="+mn-ea"/>
+                <a:cs typeface="+mn-cs"/>
+              </a:defRPr>
+            </a:lvl9pPr>
+          </a:lstStyle>
+          <a:p>
+            <a:pPr marL="0" indent="0">
+              <a:buNone/>
+            </a:pPr>
+            <a:r>
+              <a:rPr lang="en-US" altLang="ko-KR" sz="1400" dirty="0" err="1" smtClean="0"/>
+              <a:t>FreeboardDAO</a:t>
+            </a:r>
+            <a:endParaRPr lang="en-US" altLang="ko-KR" sz="1400" dirty="0"/>
+          </a:p>
+        </p:txBody>
+      </p:sp>
+      <p:pic>
+        <p:nvPicPr>
+          <p:cNvPr id="2" name="그림 1"/>
+          <p:cNvPicPr>
+            <a:picLocks noChangeAspect="1"/>
+          </p:cNvPicPr>
+          <p:nvPr/>
+        </p:nvPicPr>
+        <p:blipFill rotWithShape="1">
+          <a:blip r:embed="rId2"/>
+          <a:srcRect b="64451"/>
+          <a:stretch/>
+        </p:blipFill>
+        <p:spPr>
+          <a:xfrm>
+            <a:off x="3832154" y="4221088"/>
+            <a:ext cx="6535062" cy="2052228"/>
+          </a:xfrm>
+          <a:prstGeom prst="rect">
+            <a:avLst/>
+          </a:prstGeom>
+        </p:spPr>
+      </p:pic>
+      <p:pic>
+        <p:nvPicPr>
+          <p:cNvPr id="3" name="그림 2"/>
+          <p:cNvPicPr>
+            <a:picLocks noChangeAspect="1"/>
+          </p:cNvPicPr>
+          <p:nvPr/>
+        </p:nvPicPr>
+        <p:blipFill rotWithShape="1">
+          <a:blip r:embed="rId3"/>
+          <a:srcRect r="5282"/>
+          <a:stretch/>
+        </p:blipFill>
+        <p:spPr>
+          <a:xfrm>
+            <a:off x="3832154" y="1685858"/>
+            <a:ext cx="6523738" cy="1752845"/>
+          </a:xfrm>
+          <a:prstGeom prst="rect">
+            <a:avLst/>
+          </a:prstGeom>
+        </p:spPr>
+      </p:pic>
+      <p:sp>
+        <p:nvSpPr>
+          <p:cNvPr id="8" name="텍스트 개체 틀 31">
+            <a:extLst>
+              <a:ext uri="{FF2B5EF4-FFF2-40B4-BE49-F238E27FC236}">
+                <a16:creationId xmlns:a16="http://schemas.microsoft.com/office/drawing/2014/main" id="{82F43559-8534-46C3-9C2D-0ECDE18C02EE}"/>
+              </a:ext>
+            </a:extLst>
+          </p:cNvPr>
+          <p:cNvSpPr txBox="1">
+            <a:spLocks/>
+          </p:cNvSpPr>
+          <p:nvPr/>
+        </p:nvSpPr>
+        <p:spPr>
+          <a:xfrm>
+            <a:off x="3844204" y="1378366"/>
+            <a:ext cx="2287800" cy="455715"/>
+          </a:xfrm>
+          <a:prstGeom prst="rect">
+            <a:avLst/>
+          </a:prstGeom>
+        </p:spPr>
+        <p:txBody>
+          <a:bodyPr/>
+          <a:lstStyle>
+            <a:lvl1pPr marL="228600" indent="-228600" algn="l" rtl="0" eaLnBrk="0" fontAlgn="base" latinLnBrk="1" hangingPunct="0">
+              <a:lnSpc>
+                <a:spcPct val="90000"/>
+              </a:lnSpc>
+              <a:spcBef>
+                <a:spcPts val="1000"/>
+              </a:spcBef>
+              <a:spcAft>
+                <a:spcPct val="0"/>
+              </a:spcAft>
+              <a:buFont typeface="Arial" panose="020B0604020202020204" pitchFamily="34" charset="0"/>
+              <a:buChar char="•"/>
+              <a:defRPr sz="2800" kern="1200">
+                <a:solidFill>
+                  <a:schemeClr val="tx1"/>
+                </a:solidFill>
+                <a:latin typeface="+mn-lt"/>
+                <a:ea typeface="+mn-ea"/>
+                <a:cs typeface="+mn-cs"/>
+              </a:defRPr>
+            </a:lvl1pPr>
+            <a:lvl2pPr marL="685800" indent="-228600" algn="l" rtl="0" eaLnBrk="0" fontAlgn="base" latinLnBrk="1" hangingPunct="0">
+              <a:lnSpc>
+                <a:spcPct val="90000"/>
+              </a:lnSpc>
+              <a:spcBef>
+                <a:spcPts val="500"/>
+              </a:spcBef>
+              <a:spcAft>
+                <a:spcPct val="0"/>
+              </a:spcAft>
+              <a:buFont typeface="Arial" panose="020B0604020202020204" pitchFamily="34" charset="0"/>
+              <a:buChar char="•"/>
+              <a:defRPr sz="2400" kern="1200">
+                <a:solidFill>
+                  <a:schemeClr val="tx1"/>
+                </a:solidFill>
+                <a:latin typeface="+mn-lt"/>
+                <a:ea typeface="+mn-ea"/>
+                <a:cs typeface="+mn-cs"/>
+              </a:defRPr>
+            </a:lvl2pPr>
+            <a:lvl3pPr marL="1143000" indent="-228600" algn="l" rtl="0" eaLnBrk="0" fontAlgn="base" latinLnBrk="1" hangingPunct="0">
+              <a:lnSpc>
+                <a:spcPct val="90000"/>
+              </a:lnSpc>
+              <a:spcBef>
+                <a:spcPts val="500"/>
+              </a:spcBef>
+              <a:spcAft>
+                <a:spcPct val="0"/>
+              </a:spcAft>
+              <a:buFont typeface="Arial" panose="020B0604020202020204" pitchFamily="34" charset="0"/>
+              <a:buChar char="•"/>
+              <a:defRPr sz="2000" kern="1200">
+                <a:solidFill>
+                  <a:schemeClr val="tx1"/>
+                </a:solidFill>
+                <a:latin typeface="+mn-lt"/>
+                <a:ea typeface="+mn-ea"/>
+                <a:cs typeface="+mn-cs"/>
+              </a:defRPr>
+            </a:lvl3pPr>
+            <a:lvl4pPr marL="1600200" indent="-228600" algn="l" rtl="0" eaLnBrk="0" fontAlgn="base" latinLnBrk="1" hangingPunct="0">
+              <a:lnSpc>
+                <a:spcPct val="90000"/>
+              </a:lnSpc>
+              <a:spcBef>
+                <a:spcPts val="500"/>
+              </a:spcBef>
+              <a:spcAft>
+                <a:spcPct val="0"/>
+              </a:spcAft>
+              <a:buFont typeface="Arial" panose="020B0604020202020204" pitchFamily="34" charset="0"/>
+              <a:buChar char="•"/>
+              <a:defRPr sz="2000" kern="1200">
+                <a:solidFill>
+                  <a:schemeClr val="tx1"/>
+                </a:solidFill>
+                <a:latin typeface="+mn-lt"/>
+                <a:ea typeface="+mn-ea"/>
+                <a:cs typeface="+mn-cs"/>
+              </a:defRPr>
+            </a:lvl4pPr>
+            <a:lvl5pPr marL="2057400" indent="-228600" algn="l" rtl="0" eaLnBrk="0" fontAlgn="base" latinLnBrk="1" hangingPunct="0">
+              <a:lnSpc>
+                <a:spcPct val="90000"/>
+              </a:lnSpc>
+              <a:spcBef>
+                <a:spcPts val="500"/>
+              </a:spcBef>
+              <a:spcAft>
+                <a:spcPct val="0"/>
+              </a:spcAft>
+              <a:buFont typeface="Arial" panose="020B0604020202020204" pitchFamily="34" charset="0"/>
+              <a:buChar char="•"/>
+              <a:defRPr sz="2000" kern="1200">
+                <a:solidFill>
+                  <a:schemeClr val="tx1"/>
+                </a:solidFill>
+                <a:latin typeface="+mn-lt"/>
+                <a:ea typeface="+mn-ea"/>
+                <a:cs typeface="+mn-cs"/>
+              </a:defRPr>
+            </a:lvl5pPr>
+            <a:lvl6pPr marL="2514600" indent="-228600" algn="l" defTabSz="914400" rtl="0" eaLnBrk="1" latinLnBrk="1" hangingPunct="1">
+              <a:lnSpc>
+                <a:spcPct val="90000"/>
+              </a:lnSpc>
+              <a:spcBef>
+                <a:spcPts val="500"/>
+              </a:spcBef>
+              <a:buFont typeface="Arial" panose="020B0604020202020204" pitchFamily="34" charset="0"/>
+              <a:buChar char="•"/>
+              <a:defRPr sz="1800" kern="1200">
+                <a:solidFill>
+                  <a:schemeClr val="tx1"/>
+                </a:solidFill>
+                <a:latin typeface="+mn-lt"/>
+                <a:ea typeface="+mn-ea"/>
+                <a:cs typeface="+mn-cs"/>
+              </a:defRPr>
+            </a:lvl6pPr>
+            <a:lvl7pPr marL="2971800" indent="-228600" algn="l" defTabSz="914400" rtl="0" eaLnBrk="1" latinLnBrk="1" hangingPunct="1">
+              <a:lnSpc>
+                <a:spcPct val="90000"/>
+              </a:lnSpc>
+              <a:spcBef>
+                <a:spcPts val="500"/>
+              </a:spcBef>
+              <a:buFont typeface="Arial" panose="020B0604020202020204" pitchFamily="34" charset="0"/>
+              <a:buChar char="•"/>
+              <a:defRPr sz="1800" kern="1200">
+                <a:solidFill>
+                  <a:schemeClr val="tx1"/>
+                </a:solidFill>
+                <a:latin typeface="+mn-lt"/>
+                <a:ea typeface="+mn-ea"/>
+                <a:cs typeface="+mn-cs"/>
+              </a:defRPr>
+            </a:lvl7pPr>
+            <a:lvl8pPr marL="3429000" indent="-228600" algn="l" defTabSz="914400" rtl="0" eaLnBrk="1" latinLnBrk="1" hangingPunct="1">
+              <a:lnSpc>
+                <a:spcPct val="90000"/>
+              </a:lnSpc>
+              <a:spcBef>
+                <a:spcPts val="500"/>
+              </a:spcBef>
+              <a:buFont typeface="Arial" panose="020B0604020202020204" pitchFamily="34" charset="0"/>
+              <a:buChar char="•"/>
+              <a:defRPr sz="1800" kern="1200">
+                <a:solidFill>
+                  <a:schemeClr val="tx1"/>
+                </a:solidFill>
+                <a:latin typeface="+mn-lt"/>
+                <a:ea typeface="+mn-ea"/>
+                <a:cs typeface="+mn-cs"/>
+              </a:defRPr>
+            </a:lvl8pPr>
+            <a:lvl9pPr marL="3886200" indent="-228600" algn="l" defTabSz="914400" rtl="0" eaLnBrk="1" latinLnBrk="1" hangingPunct="1">
+              <a:lnSpc>
+                <a:spcPct val="90000"/>
+              </a:lnSpc>
+              <a:spcBef>
+                <a:spcPts val="500"/>
+              </a:spcBef>
+              <a:buFont typeface="Arial" panose="020B0604020202020204" pitchFamily="34" charset="0"/>
+              <a:buChar char="•"/>
+              <a:defRPr sz="1800" kern="1200">
+                <a:solidFill>
+                  <a:schemeClr val="tx1"/>
+                </a:solidFill>
+                <a:latin typeface="+mn-lt"/>
+                <a:ea typeface="+mn-ea"/>
+                <a:cs typeface="+mn-cs"/>
+              </a:defRPr>
+            </a:lvl9pPr>
+          </a:lstStyle>
+          <a:p>
+            <a:pPr marL="0" indent="0">
+              <a:buNone/>
+            </a:pPr>
+            <a:r>
+              <a:rPr lang="en-US" altLang="ko-KR" sz="1400" dirty="0" err="1" smtClean="0"/>
+              <a:t>Update.jsp</a:t>
+            </a:r>
+            <a:r>
+              <a:rPr lang="en-US" altLang="ko-KR" sz="1400" dirty="0" smtClean="0"/>
+              <a:t>  Form // POST</a:t>
+            </a:r>
+            <a:endParaRPr lang="en-US" altLang="ko-KR" sz="1400" dirty="0"/>
+          </a:p>
+        </p:txBody>
+      </p:sp>
+      <p:sp>
+        <p:nvSpPr>
+          <p:cNvPr id="9" name="텍스트 개체 틀 31">
+            <a:extLst>
+              <a:ext uri="{FF2B5EF4-FFF2-40B4-BE49-F238E27FC236}">
+                <a16:creationId xmlns:a16="http://schemas.microsoft.com/office/drawing/2014/main" id="{82F43559-8534-46C3-9C2D-0ECDE18C02EE}"/>
+              </a:ext>
+            </a:extLst>
+          </p:cNvPr>
+          <p:cNvSpPr txBox="1">
+            <a:spLocks/>
+          </p:cNvSpPr>
+          <p:nvPr/>
+        </p:nvSpPr>
+        <p:spPr>
+          <a:xfrm>
+            <a:off x="382784" y="2254721"/>
+            <a:ext cx="3211127" cy="307492"/>
+          </a:xfrm>
+          <a:prstGeom prst="rect">
+            <a:avLst/>
+          </a:prstGeom>
+        </p:spPr>
+        <p:txBody>
+          <a:bodyPr/>
+          <a:lstStyle>
+            <a:lvl1pPr marL="228600" indent="-228600" algn="l" rtl="0" eaLnBrk="0" fontAlgn="base" latinLnBrk="1" hangingPunct="0">
+              <a:lnSpc>
+                <a:spcPct val="90000"/>
+              </a:lnSpc>
+              <a:spcBef>
+                <a:spcPts val="1000"/>
+              </a:spcBef>
+              <a:spcAft>
+                <a:spcPct val="0"/>
+              </a:spcAft>
+              <a:buFont typeface="Arial" panose="020B0604020202020204" pitchFamily="34" charset="0"/>
+              <a:buChar char="•"/>
+              <a:defRPr sz="2800" kern="1200">
+                <a:solidFill>
+                  <a:schemeClr val="tx1"/>
+                </a:solidFill>
+                <a:latin typeface="+mn-lt"/>
+                <a:ea typeface="+mn-ea"/>
+                <a:cs typeface="+mn-cs"/>
+              </a:defRPr>
+            </a:lvl1pPr>
+            <a:lvl2pPr marL="685800" indent="-228600" algn="l" rtl="0" eaLnBrk="0" fontAlgn="base" latinLnBrk="1" hangingPunct="0">
+              <a:lnSpc>
+                <a:spcPct val="90000"/>
+              </a:lnSpc>
+              <a:spcBef>
+                <a:spcPts val="500"/>
+              </a:spcBef>
+              <a:spcAft>
+                <a:spcPct val="0"/>
+              </a:spcAft>
+              <a:buFont typeface="Arial" panose="020B0604020202020204" pitchFamily="34" charset="0"/>
+              <a:buChar char="•"/>
+              <a:defRPr sz="2400" kern="1200">
+                <a:solidFill>
+                  <a:schemeClr val="tx1"/>
+                </a:solidFill>
+                <a:latin typeface="+mn-lt"/>
+                <a:ea typeface="+mn-ea"/>
+                <a:cs typeface="+mn-cs"/>
+              </a:defRPr>
+            </a:lvl2pPr>
+            <a:lvl3pPr marL="1143000" indent="-228600" algn="l" rtl="0" eaLnBrk="0" fontAlgn="base" latinLnBrk="1" hangingPunct="0">
+              <a:lnSpc>
+                <a:spcPct val="90000"/>
+              </a:lnSpc>
+              <a:spcBef>
+                <a:spcPts val="500"/>
+              </a:spcBef>
+              <a:spcAft>
+                <a:spcPct val="0"/>
+              </a:spcAft>
+              <a:buFont typeface="Arial" panose="020B0604020202020204" pitchFamily="34" charset="0"/>
+              <a:buChar char="•"/>
+              <a:defRPr sz="2000" kern="1200">
+                <a:solidFill>
+                  <a:schemeClr val="tx1"/>
+                </a:solidFill>
+                <a:latin typeface="+mn-lt"/>
+                <a:ea typeface="+mn-ea"/>
+                <a:cs typeface="+mn-cs"/>
+              </a:defRPr>
+            </a:lvl3pPr>
+            <a:lvl4pPr marL="1600200" indent="-228600" algn="l" rtl="0" eaLnBrk="0" fontAlgn="base" latinLnBrk="1" hangingPunct="0">
+              <a:lnSpc>
+                <a:spcPct val="90000"/>
+              </a:lnSpc>
+              <a:spcBef>
+                <a:spcPts val="500"/>
+              </a:spcBef>
+              <a:spcAft>
+                <a:spcPct val="0"/>
+              </a:spcAft>
+              <a:buFont typeface="Arial" panose="020B0604020202020204" pitchFamily="34" charset="0"/>
+              <a:buChar char="•"/>
+              <a:defRPr sz="2000" kern="1200">
+                <a:solidFill>
+                  <a:schemeClr val="tx1"/>
+                </a:solidFill>
+                <a:latin typeface="+mn-lt"/>
+                <a:ea typeface="+mn-ea"/>
+                <a:cs typeface="+mn-cs"/>
+              </a:defRPr>
+            </a:lvl4pPr>
+            <a:lvl5pPr marL="2057400" indent="-228600" algn="l" rtl="0" eaLnBrk="0" fontAlgn="base" latinLnBrk="1" hangingPunct="0">
+              <a:lnSpc>
+                <a:spcPct val="90000"/>
+              </a:lnSpc>
+              <a:spcBef>
+                <a:spcPts val="500"/>
+              </a:spcBef>
+              <a:spcAft>
+                <a:spcPct val="0"/>
+              </a:spcAft>
+              <a:buFont typeface="Arial" panose="020B0604020202020204" pitchFamily="34" charset="0"/>
+              <a:buChar char="•"/>
+              <a:defRPr sz="2000" kern="1200">
+                <a:solidFill>
+                  <a:schemeClr val="tx1"/>
+                </a:solidFill>
+                <a:latin typeface="+mn-lt"/>
+                <a:ea typeface="+mn-ea"/>
+                <a:cs typeface="+mn-cs"/>
+              </a:defRPr>
+            </a:lvl5pPr>
+            <a:lvl6pPr marL="2514600" indent="-228600" algn="l" defTabSz="914400" rtl="0" eaLnBrk="1" latinLnBrk="1" hangingPunct="1">
+              <a:lnSpc>
+                <a:spcPct val="90000"/>
+              </a:lnSpc>
+              <a:spcBef>
+                <a:spcPts val="500"/>
+              </a:spcBef>
+              <a:buFont typeface="Arial" panose="020B0604020202020204" pitchFamily="34" charset="0"/>
+              <a:buChar char="•"/>
+              <a:defRPr sz="1800" kern="1200">
+                <a:solidFill>
+                  <a:schemeClr val="tx1"/>
+                </a:solidFill>
+                <a:latin typeface="+mn-lt"/>
+                <a:ea typeface="+mn-ea"/>
+                <a:cs typeface="+mn-cs"/>
+              </a:defRPr>
+            </a:lvl6pPr>
+            <a:lvl7pPr marL="2971800" indent="-228600" algn="l" defTabSz="914400" rtl="0" eaLnBrk="1" latinLnBrk="1" hangingPunct="1">
+              <a:lnSpc>
+                <a:spcPct val="90000"/>
+              </a:lnSpc>
+              <a:spcBef>
+                <a:spcPts val="500"/>
+              </a:spcBef>
+              <a:buFont typeface="Arial" panose="020B0604020202020204" pitchFamily="34" charset="0"/>
+              <a:buChar char="•"/>
+              <a:defRPr sz="1800" kern="1200">
+                <a:solidFill>
+                  <a:schemeClr val="tx1"/>
+                </a:solidFill>
+                <a:latin typeface="+mn-lt"/>
+                <a:ea typeface="+mn-ea"/>
+                <a:cs typeface="+mn-cs"/>
+              </a:defRPr>
+            </a:lvl7pPr>
+            <a:lvl8pPr marL="3429000" indent="-228600" algn="l" defTabSz="914400" rtl="0" eaLnBrk="1" latinLnBrk="1" hangingPunct="1">
+              <a:lnSpc>
+                <a:spcPct val="90000"/>
+              </a:lnSpc>
+              <a:spcBef>
+                <a:spcPts val="500"/>
+              </a:spcBef>
+              <a:buFont typeface="Arial" panose="020B0604020202020204" pitchFamily="34" charset="0"/>
+              <a:buChar char="•"/>
+              <a:defRPr sz="1800" kern="1200">
+                <a:solidFill>
+                  <a:schemeClr val="tx1"/>
+                </a:solidFill>
+                <a:latin typeface="+mn-lt"/>
+                <a:ea typeface="+mn-ea"/>
+                <a:cs typeface="+mn-cs"/>
+              </a:defRPr>
+            </a:lvl8pPr>
+            <a:lvl9pPr marL="3886200" indent="-228600" algn="l" defTabSz="914400" rtl="0" eaLnBrk="1" latinLnBrk="1" hangingPunct="1">
+              <a:lnSpc>
+                <a:spcPct val="90000"/>
+              </a:lnSpc>
+              <a:spcBef>
+                <a:spcPts val="500"/>
+              </a:spcBef>
+              <a:buFont typeface="Arial" panose="020B0604020202020204" pitchFamily="34" charset="0"/>
+              <a:buChar char="•"/>
+              <a:defRPr sz="1800" kern="1200">
+                <a:solidFill>
+                  <a:schemeClr val="tx1"/>
+                </a:solidFill>
+                <a:latin typeface="+mn-lt"/>
+                <a:ea typeface="+mn-ea"/>
+                <a:cs typeface="+mn-cs"/>
+              </a:defRPr>
+            </a:lvl9pPr>
+          </a:lstStyle>
+          <a:p>
+            <a:pPr marL="0" indent="0" algn="r">
+              <a:buNone/>
+            </a:pPr>
+            <a:r>
+              <a:rPr lang="ko-KR" altLang="en-US" sz="1400" dirty="0" err="1" smtClean="0"/>
+              <a:t>게시글</a:t>
+            </a:r>
+            <a:r>
+              <a:rPr lang="ko-KR" altLang="en-US" sz="1400" dirty="0" smtClean="0"/>
+              <a:t> 주인의 </a:t>
+            </a:r>
+            <a:r>
+              <a:rPr lang="en-US" altLang="ko-KR" sz="1400" dirty="0" err="1" smtClean="0"/>
+              <a:t>userid</a:t>
+            </a:r>
+            <a:endParaRPr lang="en-US" altLang="ko-KR" sz="1400" dirty="0"/>
+          </a:p>
+        </p:txBody>
+      </p:sp>
+      <p:sp>
+        <p:nvSpPr>
+          <p:cNvPr id="4" name="직사각형 3"/>
+          <p:cNvSpPr/>
+          <p:nvPr/>
+        </p:nvSpPr>
+        <p:spPr>
+          <a:xfrm>
+            <a:off x="6539468" y="5860728"/>
+            <a:ext cx="1471843" cy="263649"/>
+          </a:xfrm>
+          <a:prstGeom prst="rect">
+            <a:avLst/>
+          </a:prstGeom>
+          <a:noFill/>
+          <a:ln w="28575"/>
+        </p:spPr>
+        <p:style>
+          <a:lnRef idx="2">
+            <a:schemeClr val="accent1">
+              <a:shade val="50000"/>
+            </a:schemeClr>
+          </a:lnRef>
+          <a:fillRef idx="1">
+            <a:schemeClr val="accent1"/>
+          </a:fillRef>
+          <a:effectRef idx="0">
+            <a:schemeClr val="accent1"/>
+          </a:effectRef>
+          <a:fontRef idx="minor">
+            <a:schemeClr val="lt1"/>
+          </a:fontRef>
+        </p:style>
+        <p:txBody>
+          <a:bodyPr rtlCol="0" anchor="ctr"/>
+          <a:lstStyle/>
+          <a:p>
+            <a:pPr algn="ctr"/>
+            <a:endParaRPr lang="ko-KR" altLang="en-US"/>
+          </a:p>
+        </p:txBody>
+      </p:sp>
+      <p:sp>
+        <p:nvSpPr>
+          <p:cNvPr id="11" name="텍스트 개체 틀 31">
+            <a:extLst>
+              <a:ext uri="{FF2B5EF4-FFF2-40B4-BE49-F238E27FC236}">
+                <a16:creationId xmlns:a16="http://schemas.microsoft.com/office/drawing/2014/main" id="{82F43559-8534-46C3-9C2D-0ECDE18C02EE}"/>
+              </a:ext>
+            </a:extLst>
+          </p:cNvPr>
+          <p:cNvSpPr txBox="1">
+            <a:spLocks/>
+          </p:cNvSpPr>
+          <p:nvPr/>
+        </p:nvSpPr>
+        <p:spPr>
+          <a:xfrm>
+            <a:off x="382784" y="2672916"/>
+            <a:ext cx="3211127" cy="307492"/>
+          </a:xfrm>
+          <a:prstGeom prst="rect">
+            <a:avLst/>
+          </a:prstGeom>
+        </p:spPr>
+        <p:txBody>
+          <a:bodyPr/>
+          <a:lstStyle>
+            <a:lvl1pPr marL="228600" indent="-228600" algn="l" rtl="0" eaLnBrk="0" fontAlgn="base" latinLnBrk="1" hangingPunct="0">
+              <a:lnSpc>
+                <a:spcPct val="90000"/>
+              </a:lnSpc>
+              <a:spcBef>
+                <a:spcPts val="1000"/>
+              </a:spcBef>
+              <a:spcAft>
+                <a:spcPct val="0"/>
+              </a:spcAft>
+              <a:buFont typeface="Arial" panose="020B0604020202020204" pitchFamily="34" charset="0"/>
+              <a:buChar char="•"/>
+              <a:defRPr sz="2800" kern="1200">
+                <a:solidFill>
+                  <a:schemeClr val="tx1"/>
+                </a:solidFill>
+                <a:latin typeface="+mn-lt"/>
+                <a:ea typeface="+mn-ea"/>
+                <a:cs typeface="+mn-cs"/>
+              </a:defRPr>
+            </a:lvl1pPr>
+            <a:lvl2pPr marL="685800" indent="-228600" algn="l" rtl="0" eaLnBrk="0" fontAlgn="base" latinLnBrk="1" hangingPunct="0">
+              <a:lnSpc>
+                <a:spcPct val="90000"/>
+              </a:lnSpc>
+              <a:spcBef>
+                <a:spcPts val="500"/>
+              </a:spcBef>
+              <a:spcAft>
+                <a:spcPct val="0"/>
+              </a:spcAft>
+              <a:buFont typeface="Arial" panose="020B0604020202020204" pitchFamily="34" charset="0"/>
+              <a:buChar char="•"/>
+              <a:defRPr sz="2400" kern="1200">
+                <a:solidFill>
+                  <a:schemeClr val="tx1"/>
+                </a:solidFill>
+                <a:latin typeface="+mn-lt"/>
+                <a:ea typeface="+mn-ea"/>
+                <a:cs typeface="+mn-cs"/>
+              </a:defRPr>
+            </a:lvl2pPr>
+            <a:lvl3pPr marL="1143000" indent="-228600" algn="l" rtl="0" eaLnBrk="0" fontAlgn="base" latinLnBrk="1" hangingPunct="0">
+              <a:lnSpc>
+                <a:spcPct val="90000"/>
+              </a:lnSpc>
+              <a:spcBef>
+                <a:spcPts val="500"/>
+              </a:spcBef>
+              <a:spcAft>
+                <a:spcPct val="0"/>
+              </a:spcAft>
+              <a:buFont typeface="Arial" panose="020B0604020202020204" pitchFamily="34" charset="0"/>
+              <a:buChar char="•"/>
+              <a:defRPr sz="2000" kern="1200">
+                <a:solidFill>
+                  <a:schemeClr val="tx1"/>
+                </a:solidFill>
+                <a:latin typeface="+mn-lt"/>
+                <a:ea typeface="+mn-ea"/>
+                <a:cs typeface="+mn-cs"/>
+              </a:defRPr>
+            </a:lvl3pPr>
+            <a:lvl4pPr marL="1600200" indent="-228600" algn="l" rtl="0" eaLnBrk="0" fontAlgn="base" latinLnBrk="1" hangingPunct="0">
+              <a:lnSpc>
+                <a:spcPct val="90000"/>
+              </a:lnSpc>
+              <a:spcBef>
+                <a:spcPts val="500"/>
+              </a:spcBef>
+              <a:spcAft>
+                <a:spcPct val="0"/>
+              </a:spcAft>
+              <a:buFont typeface="Arial" panose="020B0604020202020204" pitchFamily="34" charset="0"/>
+              <a:buChar char="•"/>
+              <a:defRPr sz="2000" kern="1200">
+                <a:solidFill>
+                  <a:schemeClr val="tx1"/>
+                </a:solidFill>
+                <a:latin typeface="+mn-lt"/>
+                <a:ea typeface="+mn-ea"/>
+                <a:cs typeface="+mn-cs"/>
+              </a:defRPr>
+            </a:lvl4pPr>
+            <a:lvl5pPr marL="2057400" indent="-228600" algn="l" rtl="0" eaLnBrk="0" fontAlgn="base" latinLnBrk="1" hangingPunct="0">
+              <a:lnSpc>
+                <a:spcPct val="90000"/>
+              </a:lnSpc>
+              <a:spcBef>
+                <a:spcPts val="500"/>
+              </a:spcBef>
+              <a:spcAft>
+                <a:spcPct val="0"/>
+              </a:spcAft>
+              <a:buFont typeface="Arial" panose="020B0604020202020204" pitchFamily="34" charset="0"/>
+              <a:buChar char="•"/>
+              <a:defRPr sz="2000" kern="1200">
+                <a:solidFill>
+                  <a:schemeClr val="tx1"/>
+                </a:solidFill>
+                <a:latin typeface="+mn-lt"/>
+                <a:ea typeface="+mn-ea"/>
+                <a:cs typeface="+mn-cs"/>
+              </a:defRPr>
+            </a:lvl5pPr>
+            <a:lvl6pPr marL="2514600" indent="-228600" algn="l" defTabSz="914400" rtl="0" eaLnBrk="1" latinLnBrk="1" hangingPunct="1">
+              <a:lnSpc>
+                <a:spcPct val="90000"/>
+              </a:lnSpc>
+              <a:spcBef>
+                <a:spcPts val="500"/>
+              </a:spcBef>
+              <a:buFont typeface="Arial" panose="020B0604020202020204" pitchFamily="34" charset="0"/>
+              <a:buChar char="•"/>
+              <a:defRPr sz="1800" kern="1200">
+                <a:solidFill>
+                  <a:schemeClr val="tx1"/>
+                </a:solidFill>
+                <a:latin typeface="+mn-lt"/>
+                <a:ea typeface="+mn-ea"/>
+                <a:cs typeface="+mn-cs"/>
+              </a:defRPr>
+            </a:lvl6pPr>
+            <a:lvl7pPr marL="2971800" indent="-228600" algn="l" defTabSz="914400" rtl="0" eaLnBrk="1" latinLnBrk="1" hangingPunct="1">
+              <a:lnSpc>
+                <a:spcPct val="90000"/>
+              </a:lnSpc>
+              <a:spcBef>
+                <a:spcPts val="500"/>
+              </a:spcBef>
+              <a:buFont typeface="Arial" panose="020B0604020202020204" pitchFamily="34" charset="0"/>
+              <a:buChar char="•"/>
+              <a:defRPr sz="1800" kern="1200">
+                <a:solidFill>
+                  <a:schemeClr val="tx1"/>
+                </a:solidFill>
+                <a:latin typeface="+mn-lt"/>
+                <a:ea typeface="+mn-ea"/>
+                <a:cs typeface="+mn-cs"/>
+              </a:defRPr>
+            </a:lvl7pPr>
+            <a:lvl8pPr marL="3429000" indent="-228600" algn="l" defTabSz="914400" rtl="0" eaLnBrk="1" latinLnBrk="1" hangingPunct="1">
+              <a:lnSpc>
+                <a:spcPct val="90000"/>
+              </a:lnSpc>
+              <a:spcBef>
+                <a:spcPts val="500"/>
+              </a:spcBef>
+              <a:buFont typeface="Arial" panose="020B0604020202020204" pitchFamily="34" charset="0"/>
+              <a:buChar char="•"/>
+              <a:defRPr sz="1800" kern="1200">
+                <a:solidFill>
+                  <a:schemeClr val="tx1"/>
+                </a:solidFill>
+                <a:latin typeface="+mn-lt"/>
+                <a:ea typeface="+mn-ea"/>
+                <a:cs typeface="+mn-cs"/>
+              </a:defRPr>
+            </a:lvl8pPr>
+            <a:lvl9pPr marL="3886200" indent="-228600" algn="l" defTabSz="914400" rtl="0" eaLnBrk="1" latinLnBrk="1" hangingPunct="1">
+              <a:lnSpc>
+                <a:spcPct val="90000"/>
+              </a:lnSpc>
+              <a:spcBef>
+                <a:spcPts val="500"/>
+              </a:spcBef>
+              <a:buFont typeface="Arial" panose="020B0604020202020204" pitchFamily="34" charset="0"/>
+              <a:buChar char="•"/>
+              <a:defRPr sz="1800" kern="1200">
+                <a:solidFill>
+                  <a:schemeClr val="tx1"/>
+                </a:solidFill>
+                <a:latin typeface="+mn-lt"/>
+                <a:ea typeface="+mn-ea"/>
+                <a:cs typeface="+mn-cs"/>
+              </a:defRPr>
+            </a:lvl9pPr>
+          </a:lstStyle>
+          <a:p>
+            <a:pPr marL="0" indent="0" algn="r">
+              <a:buNone/>
+            </a:pPr>
+            <a:r>
+              <a:rPr lang="ko-KR" altLang="en-US" sz="1400" dirty="0" smtClean="0"/>
+              <a:t>로그인한  </a:t>
+            </a:r>
+            <a:r>
+              <a:rPr lang="en-US" altLang="ko-KR" sz="1400" dirty="0" err="1" smtClean="0"/>
+              <a:t>userid</a:t>
+            </a:r>
+            <a:endParaRPr lang="en-US" altLang="ko-KR" sz="1400" dirty="0"/>
+          </a:p>
+        </p:txBody>
+      </p:sp>
+      <p:sp>
+        <p:nvSpPr>
+          <p:cNvPr id="12" name="직사각형 11"/>
+          <p:cNvSpPr/>
+          <p:nvPr/>
+        </p:nvSpPr>
+        <p:spPr>
+          <a:xfrm>
+            <a:off x="7799608" y="2456892"/>
+            <a:ext cx="2196133" cy="532849"/>
+          </a:xfrm>
+          <a:prstGeom prst="rect">
+            <a:avLst/>
+          </a:prstGeom>
+          <a:noFill/>
+          <a:ln w="28575"/>
+        </p:spPr>
+        <p:style>
+          <a:lnRef idx="2">
+            <a:schemeClr val="accent1">
+              <a:shade val="50000"/>
+            </a:schemeClr>
+          </a:lnRef>
+          <a:fillRef idx="1">
+            <a:schemeClr val="accent1"/>
+          </a:fillRef>
+          <a:effectRef idx="0">
+            <a:schemeClr val="accent1"/>
+          </a:effectRef>
+          <a:fontRef idx="minor">
+            <a:schemeClr val="lt1"/>
+          </a:fontRef>
+        </p:style>
+        <p:txBody>
+          <a:bodyPr rtlCol="0" anchor="ctr"/>
+          <a:lstStyle/>
+          <a:p>
+            <a:pPr algn="ctr"/>
+            <a:endParaRPr lang="ko-KR" altLang="en-US"/>
+          </a:p>
+        </p:txBody>
+      </p:sp>
+      <p:sp>
+        <p:nvSpPr>
+          <p:cNvPr id="13" name="텍스트 개체 틀 31">
+            <a:extLst>
+              <a:ext uri="{FF2B5EF4-FFF2-40B4-BE49-F238E27FC236}">
+                <a16:creationId xmlns:a16="http://schemas.microsoft.com/office/drawing/2014/main" id="{82F43559-8534-46C3-9C2D-0ECDE18C02EE}"/>
+              </a:ext>
+            </a:extLst>
+          </p:cNvPr>
+          <p:cNvSpPr txBox="1">
+            <a:spLocks/>
+          </p:cNvSpPr>
+          <p:nvPr/>
+        </p:nvSpPr>
+        <p:spPr>
+          <a:xfrm>
+            <a:off x="382784" y="5553236"/>
+            <a:ext cx="3211127" cy="307492"/>
+          </a:xfrm>
+          <a:prstGeom prst="rect">
+            <a:avLst/>
+          </a:prstGeom>
+        </p:spPr>
+        <p:txBody>
+          <a:bodyPr/>
+          <a:lstStyle>
+            <a:lvl1pPr marL="228600" indent="-228600" algn="l" rtl="0" eaLnBrk="0" fontAlgn="base" latinLnBrk="1" hangingPunct="0">
+              <a:lnSpc>
+                <a:spcPct val="90000"/>
+              </a:lnSpc>
+              <a:spcBef>
+                <a:spcPts val="1000"/>
+              </a:spcBef>
+              <a:spcAft>
+                <a:spcPct val="0"/>
+              </a:spcAft>
+              <a:buFont typeface="Arial" panose="020B0604020202020204" pitchFamily="34" charset="0"/>
+              <a:buChar char="•"/>
+              <a:defRPr sz="2800" kern="1200">
+                <a:solidFill>
+                  <a:schemeClr val="tx1"/>
+                </a:solidFill>
+                <a:latin typeface="+mn-lt"/>
+                <a:ea typeface="+mn-ea"/>
+                <a:cs typeface="+mn-cs"/>
+              </a:defRPr>
+            </a:lvl1pPr>
+            <a:lvl2pPr marL="685800" indent="-228600" algn="l" rtl="0" eaLnBrk="0" fontAlgn="base" latinLnBrk="1" hangingPunct="0">
+              <a:lnSpc>
+                <a:spcPct val="90000"/>
+              </a:lnSpc>
+              <a:spcBef>
+                <a:spcPts val="500"/>
+              </a:spcBef>
+              <a:spcAft>
+                <a:spcPct val="0"/>
+              </a:spcAft>
+              <a:buFont typeface="Arial" panose="020B0604020202020204" pitchFamily="34" charset="0"/>
+              <a:buChar char="•"/>
+              <a:defRPr sz="2400" kern="1200">
+                <a:solidFill>
+                  <a:schemeClr val="tx1"/>
+                </a:solidFill>
+                <a:latin typeface="+mn-lt"/>
+                <a:ea typeface="+mn-ea"/>
+                <a:cs typeface="+mn-cs"/>
+              </a:defRPr>
+            </a:lvl2pPr>
+            <a:lvl3pPr marL="1143000" indent="-228600" algn="l" rtl="0" eaLnBrk="0" fontAlgn="base" latinLnBrk="1" hangingPunct="0">
+              <a:lnSpc>
+                <a:spcPct val="90000"/>
+              </a:lnSpc>
+              <a:spcBef>
+                <a:spcPts val="500"/>
+              </a:spcBef>
+              <a:spcAft>
+                <a:spcPct val="0"/>
+              </a:spcAft>
+              <a:buFont typeface="Arial" panose="020B0604020202020204" pitchFamily="34" charset="0"/>
+              <a:buChar char="•"/>
+              <a:defRPr sz="2000" kern="1200">
+                <a:solidFill>
+                  <a:schemeClr val="tx1"/>
+                </a:solidFill>
+                <a:latin typeface="+mn-lt"/>
+                <a:ea typeface="+mn-ea"/>
+                <a:cs typeface="+mn-cs"/>
+              </a:defRPr>
+            </a:lvl3pPr>
+            <a:lvl4pPr marL="1600200" indent="-228600" algn="l" rtl="0" eaLnBrk="0" fontAlgn="base" latinLnBrk="1" hangingPunct="0">
+              <a:lnSpc>
+                <a:spcPct val="90000"/>
+              </a:lnSpc>
+              <a:spcBef>
+                <a:spcPts val="500"/>
+              </a:spcBef>
+              <a:spcAft>
+                <a:spcPct val="0"/>
+              </a:spcAft>
+              <a:buFont typeface="Arial" panose="020B0604020202020204" pitchFamily="34" charset="0"/>
+              <a:buChar char="•"/>
+              <a:defRPr sz="2000" kern="1200">
+                <a:solidFill>
+                  <a:schemeClr val="tx1"/>
+                </a:solidFill>
+                <a:latin typeface="+mn-lt"/>
+                <a:ea typeface="+mn-ea"/>
+                <a:cs typeface="+mn-cs"/>
+              </a:defRPr>
+            </a:lvl4pPr>
+            <a:lvl5pPr marL="2057400" indent="-228600" algn="l" rtl="0" eaLnBrk="0" fontAlgn="base" latinLnBrk="1" hangingPunct="0">
+              <a:lnSpc>
+                <a:spcPct val="90000"/>
+              </a:lnSpc>
+              <a:spcBef>
+                <a:spcPts val="500"/>
+              </a:spcBef>
+              <a:spcAft>
+                <a:spcPct val="0"/>
+              </a:spcAft>
+              <a:buFont typeface="Arial" panose="020B0604020202020204" pitchFamily="34" charset="0"/>
+              <a:buChar char="•"/>
+              <a:defRPr sz="2000" kern="1200">
+                <a:solidFill>
+                  <a:schemeClr val="tx1"/>
+                </a:solidFill>
+                <a:latin typeface="+mn-lt"/>
+                <a:ea typeface="+mn-ea"/>
+                <a:cs typeface="+mn-cs"/>
+              </a:defRPr>
+            </a:lvl5pPr>
+            <a:lvl6pPr marL="2514600" indent="-228600" algn="l" defTabSz="914400" rtl="0" eaLnBrk="1" latinLnBrk="1" hangingPunct="1">
+              <a:lnSpc>
+                <a:spcPct val="90000"/>
+              </a:lnSpc>
+              <a:spcBef>
+                <a:spcPts val="500"/>
+              </a:spcBef>
+              <a:buFont typeface="Arial" panose="020B0604020202020204" pitchFamily="34" charset="0"/>
+              <a:buChar char="•"/>
+              <a:defRPr sz="1800" kern="1200">
+                <a:solidFill>
+                  <a:schemeClr val="tx1"/>
+                </a:solidFill>
+                <a:latin typeface="+mn-lt"/>
+                <a:ea typeface="+mn-ea"/>
+                <a:cs typeface="+mn-cs"/>
+              </a:defRPr>
+            </a:lvl6pPr>
+            <a:lvl7pPr marL="2971800" indent="-228600" algn="l" defTabSz="914400" rtl="0" eaLnBrk="1" latinLnBrk="1" hangingPunct="1">
+              <a:lnSpc>
+                <a:spcPct val="90000"/>
+              </a:lnSpc>
+              <a:spcBef>
+                <a:spcPts val="500"/>
+              </a:spcBef>
+              <a:buFont typeface="Arial" panose="020B0604020202020204" pitchFamily="34" charset="0"/>
+              <a:buChar char="•"/>
+              <a:defRPr sz="1800" kern="1200">
+                <a:solidFill>
+                  <a:schemeClr val="tx1"/>
+                </a:solidFill>
+                <a:latin typeface="+mn-lt"/>
+                <a:ea typeface="+mn-ea"/>
+                <a:cs typeface="+mn-cs"/>
+              </a:defRPr>
+            </a:lvl7pPr>
+            <a:lvl8pPr marL="3429000" indent="-228600" algn="l" defTabSz="914400" rtl="0" eaLnBrk="1" latinLnBrk="1" hangingPunct="1">
+              <a:lnSpc>
+                <a:spcPct val="90000"/>
+              </a:lnSpc>
+              <a:spcBef>
+                <a:spcPts val="500"/>
+              </a:spcBef>
+              <a:buFont typeface="Arial" panose="020B0604020202020204" pitchFamily="34" charset="0"/>
+              <a:buChar char="•"/>
+              <a:defRPr sz="1800" kern="1200">
+                <a:solidFill>
+                  <a:schemeClr val="tx1"/>
+                </a:solidFill>
+                <a:latin typeface="+mn-lt"/>
+                <a:ea typeface="+mn-ea"/>
+                <a:cs typeface="+mn-cs"/>
+              </a:defRPr>
+            </a:lvl8pPr>
+            <a:lvl9pPr marL="3886200" indent="-228600" algn="l" defTabSz="914400" rtl="0" eaLnBrk="1" latinLnBrk="1" hangingPunct="1">
+              <a:lnSpc>
+                <a:spcPct val="90000"/>
+              </a:lnSpc>
+              <a:spcBef>
+                <a:spcPts val="500"/>
+              </a:spcBef>
+              <a:buFont typeface="Arial" panose="020B0604020202020204" pitchFamily="34" charset="0"/>
+              <a:buChar char="•"/>
+              <a:defRPr sz="1800" kern="1200">
+                <a:solidFill>
+                  <a:schemeClr val="tx1"/>
+                </a:solidFill>
+                <a:latin typeface="+mn-lt"/>
+                <a:ea typeface="+mn-ea"/>
+                <a:cs typeface="+mn-cs"/>
+              </a:defRPr>
+            </a:lvl9pPr>
+          </a:lstStyle>
+          <a:p>
+            <a:pPr marL="0" indent="0" algn="r">
+              <a:buNone/>
+            </a:pPr>
+            <a:r>
+              <a:rPr lang="ko-KR" altLang="en-US" sz="1400" dirty="0" smtClean="0"/>
+              <a:t>로그인한  </a:t>
+            </a:r>
+            <a:r>
+              <a:rPr lang="en-US" altLang="ko-KR" sz="1400" dirty="0" err="1" smtClean="0"/>
+              <a:t>userid</a:t>
+            </a:r>
+            <a:endParaRPr lang="en-US" altLang="ko-KR" sz="1400" dirty="0" smtClean="0"/>
+          </a:p>
+          <a:p>
+            <a:pPr marL="0" indent="0" algn="r">
+              <a:buNone/>
+            </a:pPr>
+            <a:r>
+              <a:rPr lang="en-US" altLang="ko-KR" sz="1400" dirty="0" smtClean="0">
+                <a:sym typeface="Wingdings" panose="05000000000000000000" pitchFamily="2" charset="2"/>
+              </a:rPr>
+              <a:t> </a:t>
+            </a:r>
+            <a:r>
+              <a:rPr lang="en-US" altLang="ko-KR" sz="1400" dirty="0" smtClean="0">
+                <a:sym typeface="Wingdings" panose="05000000000000000000" pitchFamily="2" charset="2"/>
+              </a:rPr>
+              <a:t>UPDATE </a:t>
+            </a:r>
+            <a:r>
+              <a:rPr lang="ko-KR" altLang="en-US" sz="1400" dirty="0" smtClean="0">
+                <a:sym typeface="Wingdings" panose="05000000000000000000" pitchFamily="2" charset="2"/>
+              </a:rPr>
+              <a:t>실패</a:t>
+            </a:r>
+            <a:endParaRPr lang="en-US" altLang="ko-KR" sz="1400" dirty="0"/>
+          </a:p>
+        </p:txBody>
+      </p:sp>
+      <p:cxnSp>
+        <p:nvCxnSpPr>
+          <p:cNvPr id="14" name="직선 화살표 연결선 13"/>
+          <p:cNvCxnSpPr>
+            <a:stCxn id="12" idx="2"/>
+          </p:cNvCxnSpPr>
+          <p:nvPr/>
+        </p:nvCxnSpPr>
+        <p:spPr>
+          <a:xfrm flipH="1">
+            <a:off x="8051636" y="2989741"/>
+            <a:ext cx="846039" cy="2870987"/>
+          </a:xfrm>
+          <a:prstGeom prst="straightConnector1">
+            <a:avLst/>
+          </a:prstGeom>
+          <a:ln>
+            <a:tailEnd type="triangle"/>
+          </a:ln>
+        </p:spPr>
+        <p:style>
+          <a:lnRef idx="1">
+            <a:schemeClr val="accent1"/>
+          </a:lnRef>
+          <a:fillRef idx="0">
+            <a:schemeClr val="accent1"/>
+          </a:fillRef>
+          <a:effectRef idx="0">
+            <a:schemeClr val="accent1"/>
+          </a:effectRef>
+          <a:fontRef idx="minor">
+            <a:schemeClr val="tx1"/>
+          </a:fontRef>
+        </p:style>
+      </p:cxnSp>
+    </p:spTree>
+    <p:extLst>
+      <p:ext uri="{BB962C8B-B14F-4D97-AF65-F5344CB8AC3E}">
+        <p14:creationId xmlns:p14="http://schemas.microsoft.com/office/powerpoint/2010/main" val="1215526467"/>
+      </p:ext>
+    </p:extLst>
+  </p:cSld>
+  <p:clrMapOvr>
+    <a:masterClrMapping/>
+  </p:clrMapOvr>
+  <p:timing>
+    <p:tnLst>
+      <p:par>
+        <p:cTn id="1" dur="indefinite" restart="never" nodeType="tmRoot"/>
+      </p:par>
+    </p:tnLst>
+  </p:timing>
+</p:sld>
+</file>
+
+<file path=ppt/slides/slide18.xml><?xml version="1.0" encoding="utf-8"?>
+<p:sld xmlns:a="http://schemas.openxmlformats.org/drawingml/2006/main" xmlns:r="http://schemas.openxmlformats.org/officeDocument/2006/relationships" xmlns:p="http://schemas.openxmlformats.org/presentationml/2006/main">
+  <p:cSld>
+    <p:spTree>
+      <p:nvGrpSpPr>
+        <p:cNvPr id="1" name=""/>
+        <p:cNvGrpSpPr/>
+        <p:nvPr/>
+      </p:nvGrpSpPr>
+      <p:grpSpPr>
+        <a:xfrm>
+          <a:off x="0" y="0"/>
+          <a:ext cx="0" cy="0"/>
+          <a:chOff x="0" y="0"/>
+          <a:chExt cx="0" cy="0"/>
+        </a:xfrm>
+      </p:grpSpPr>
+      <p:cxnSp>
+        <p:nvCxnSpPr>
+          <p:cNvPr id="49" name="직선 연결선 48">
+            <a:extLst>
+              <a:ext uri="{FF2B5EF4-FFF2-40B4-BE49-F238E27FC236}">
+                <a16:creationId xmlns:a16="http://schemas.microsoft.com/office/drawing/2014/main" id="{B6E6CC53-B054-47F8-8DB4-4F5E79EAE68F}"/>
+              </a:ext>
+            </a:extLst>
+          </p:cNvPr>
+          <p:cNvCxnSpPr>
+            <a:cxnSpLocks/>
+          </p:cNvCxnSpPr>
+          <p:nvPr/>
+        </p:nvCxnSpPr>
+        <p:spPr>
+          <a:xfrm flipV="1">
+            <a:off x="3359696" y="241204"/>
+            <a:ext cx="8460829" cy="10065"/>
+          </a:xfrm>
+          <a:prstGeom prst="line">
+            <a:avLst/>
+          </a:prstGeom>
+          <a:ln w="9525">
+            <a:solidFill>
+              <a:srgbClr val="445569"/>
+            </a:solidFill>
+          </a:ln>
+        </p:spPr>
+        <p:style>
+          <a:lnRef idx="1">
+            <a:schemeClr val="accent1"/>
+          </a:lnRef>
+          <a:fillRef idx="0">
+            <a:schemeClr val="accent1"/>
+          </a:fillRef>
+          <a:effectRef idx="0">
+            <a:schemeClr val="accent1"/>
+          </a:effectRef>
+          <a:fontRef idx="minor">
+            <a:schemeClr val="tx1"/>
+          </a:fontRef>
+        </p:style>
+      </p:cxnSp>
+      <p:sp>
+        <p:nvSpPr>
+          <p:cNvPr id="50" name="직사각형 49">
+            <a:extLst>
+              <a:ext uri="{FF2B5EF4-FFF2-40B4-BE49-F238E27FC236}">
+                <a16:creationId xmlns:a16="http://schemas.microsoft.com/office/drawing/2014/main" id="{F555D67C-0100-4578-A97E-7D39DD04B742}"/>
+              </a:ext>
+            </a:extLst>
+          </p:cNvPr>
+          <p:cNvSpPr/>
+          <p:nvPr/>
+        </p:nvSpPr>
+        <p:spPr>
+          <a:xfrm>
+            <a:off x="456792" y="299706"/>
+            <a:ext cx="45719" cy="364833"/>
+          </a:xfrm>
+          <a:prstGeom prst="rect">
+            <a:avLst/>
+          </a:prstGeom>
+          <a:solidFill>
+            <a:srgbClr val="445569"/>
+          </a:solidFill>
+          <a:ln>
+            <a:solidFill>
+              <a:srgbClr val="445569"/>
+            </a:solidFill>
+          </a:ln>
+        </p:spPr>
+        <p:style>
+          <a:lnRef idx="2">
+            <a:schemeClr val="accent1">
+              <a:shade val="50000"/>
+            </a:schemeClr>
+          </a:lnRef>
+          <a:fillRef idx="1">
+            <a:schemeClr val="accent1"/>
+          </a:fillRef>
+          <a:effectRef idx="0">
+            <a:schemeClr val="accent1"/>
+          </a:effectRef>
+          <a:fontRef idx="minor">
+            <a:schemeClr val="lt1"/>
+          </a:fontRef>
+        </p:style>
+        <p:txBody>
+          <a:bodyPr anchor="ctr"/>
+          <a:lstStyle/>
+          <a:p>
+            <a:pPr algn="ctr">
+              <a:defRPr/>
+            </a:pPr>
+            <a:endParaRPr lang="ko-KR" altLang="en-US"/>
+          </a:p>
+        </p:txBody>
+      </p:sp>
+      <p:sp>
+        <p:nvSpPr>
+          <p:cNvPr id="51" name="TextBox 50">
+            <a:extLst>
+              <a:ext uri="{FF2B5EF4-FFF2-40B4-BE49-F238E27FC236}">
+                <a16:creationId xmlns:a16="http://schemas.microsoft.com/office/drawing/2014/main" id="{41C9A7DB-7A22-4918-A68B-F29014530E67}"/>
+              </a:ext>
+            </a:extLst>
+          </p:cNvPr>
+          <p:cNvSpPr txBox="1"/>
+          <p:nvPr/>
+        </p:nvSpPr>
+        <p:spPr>
+          <a:xfrm>
+            <a:off x="634466" y="307395"/>
+            <a:ext cx="6465219" cy="584775"/>
+          </a:xfrm>
+          <a:prstGeom prst="rect">
+            <a:avLst/>
+          </a:prstGeom>
+          <a:noFill/>
+        </p:spPr>
+        <p:txBody>
+          <a:bodyPr wrap="square">
+            <a:spAutoFit/>
+          </a:bodyPr>
+          <a:lstStyle/>
+          <a:p>
+            <a:pPr>
+              <a:defRPr/>
+            </a:pPr>
+            <a:r>
+              <a:rPr lang="ko-KR" altLang="en-US" sz="1600" b="1" dirty="0">
+                <a:solidFill>
+                  <a:srgbClr val="445569"/>
+                </a:solidFill>
+                <a:latin typeface="+mn-ea"/>
+                <a:ea typeface="+mn-ea"/>
+              </a:rPr>
+              <a:t>렌터카를 인수하자</a:t>
+            </a:r>
+            <a:r>
+              <a:rPr lang="en-US" altLang="ko-KR" sz="1600" b="1" dirty="0" smtClean="0">
+                <a:solidFill>
+                  <a:srgbClr val="445569"/>
+                </a:solidFill>
+                <a:latin typeface="+mn-ea"/>
+                <a:ea typeface="+mn-ea"/>
+              </a:rPr>
+              <a:t>!</a:t>
+            </a:r>
+            <a:endParaRPr lang="en-US" altLang="ko-KR" sz="1600" b="1" dirty="0">
+              <a:solidFill>
+                <a:schemeClr val="tx2">
+                  <a:lumMod val="75000"/>
+                </a:schemeClr>
+              </a:solidFill>
+              <a:latin typeface="+mn-ea"/>
+              <a:ea typeface="+mn-ea"/>
+            </a:endParaRPr>
+          </a:p>
+          <a:p>
+            <a:pPr>
+              <a:defRPr/>
+            </a:pPr>
+            <a:r>
+              <a:rPr lang="ko-KR" altLang="en-US" sz="1600" b="1" dirty="0">
+                <a:solidFill>
+                  <a:schemeClr val="tx2">
+                    <a:lumMod val="75000"/>
+                  </a:schemeClr>
+                </a:solidFill>
+                <a:latin typeface="+mn-ea"/>
+              </a:rPr>
+              <a:t>내가 쓴 글은 나만 </a:t>
+            </a:r>
+            <a:r>
+              <a:rPr lang="ko-KR" altLang="en-US" sz="1600" b="1" dirty="0" smtClean="0">
+                <a:solidFill>
+                  <a:schemeClr val="tx2">
+                    <a:lumMod val="75000"/>
+                  </a:schemeClr>
+                </a:solidFill>
+                <a:latin typeface="+mn-ea"/>
+              </a:rPr>
+              <a:t>삭제 </a:t>
+            </a:r>
+            <a:r>
+              <a:rPr lang="ko-KR" altLang="en-US" sz="1600" b="1" dirty="0">
+                <a:solidFill>
+                  <a:schemeClr val="tx2">
+                    <a:lumMod val="75000"/>
+                  </a:schemeClr>
+                </a:solidFill>
+                <a:latin typeface="+mn-ea"/>
+              </a:rPr>
+              <a:t>가능 </a:t>
+            </a:r>
+            <a:r>
+              <a:rPr lang="en-US" altLang="ko-KR" sz="1600" b="1" dirty="0">
+                <a:solidFill>
+                  <a:schemeClr val="tx2">
+                    <a:lumMod val="75000"/>
+                  </a:schemeClr>
+                </a:solidFill>
+                <a:latin typeface="+mn-ea"/>
+              </a:rPr>
+              <a:t>– </a:t>
+            </a:r>
+            <a:r>
+              <a:rPr lang="en-US" altLang="ko-KR" sz="1600" b="1" dirty="0" smtClean="0">
+                <a:solidFill>
+                  <a:schemeClr val="tx2">
+                    <a:lumMod val="75000"/>
+                  </a:schemeClr>
+                </a:solidFill>
+                <a:latin typeface="+mn-ea"/>
+              </a:rPr>
+              <a:t>GET</a:t>
+            </a:r>
+            <a:endParaRPr lang="en-US" altLang="ko-KR" sz="1600" b="1" dirty="0">
+              <a:solidFill>
+                <a:schemeClr val="tx2">
+                  <a:lumMod val="75000"/>
+                </a:schemeClr>
+              </a:solidFill>
+              <a:latin typeface="+mn-ea"/>
+              <a:ea typeface="+mn-ea"/>
+            </a:endParaRPr>
+          </a:p>
+        </p:txBody>
+      </p:sp>
+      <p:pic>
+        <p:nvPicPr>
+          <p:cNvPr id="2" name="그림 1"/>
+          <p:cNvPicPr>
+            <a:picLocks noChangeAspect="1"/>
+          </p:cNvPicPr>
+          <p:nvPr/>
+        </p:nvPicPr>
+        <p:blipFill>
+          <a:blip r:embed="rId2"/>
+          <a:stretch>
+            <a:fillRect/>
+          </a:stretch>
+        </p:blipFill>
+        <p:spPr>
+          <a:xfrm>
+            <a:off x="456626" y="1304764"/>
+            <a:ext cx="11450648" cy="1981477"/>
+          </a:xfrm>
+          <a:prstGeom prst="rect">
+            <a:avLst/>
+          </a:prstGeom>
+        </p:spPr>
+      </p:pic>
+      <p:sp>
+        <p:nvSpPr>
+          <p:cNvPr id="7" name="텍스트 개체 틀 31">
+            <a:extLst>
+              <a:ext uri="{FF2B5EF4-FFF2-40B4-BE49-F238E27FC236}">
+                <a16:creationId xmlns:a16="http://schemas.microsoft.com/office/drawing/2014/main" id="{82F43559-8534-46C3-9C2D-0ECDE18C02EE}"/>
+              </a:ext>
+            </a:extLst>
+          </p:cNvPr>
+          <p:cNvSpPr txBox="1">
+            <a:spLocks/>
+          </p:cNvSpPr>
+          <p:nvPr/>
+        </p:nvSpPr>
+        <p:spPr>
+          <a:xfrm>
+            <a:off x="452520" y="1014868"/>
+            <a:ext cx="2907176" cy="455715"/>
+          </a:xfrm>
+          <a:prstGeom prst="rect">
+            <a:avLst/>
+          </a:prstGeom>
+        </p:spPr>
+        <p:txBody>
+          <a:bodyPr/>
+          <a:lstStyle>
+            <a:lvl1pPr marL="228600" indent="-228600" algn="l" rtl="0" eaLnBrk="0" fontAlgn="base" latinLnBrk="1" hangingPunct="0">
+              <a:lnSpc>
+                <a:spcPct val="90000"/>
+              </a:lnSpc>
+              <a:spcBef>
+                <a:spcPts val="1000"/>
+              </a:spcBef>
+              <a:spcAft>
+                <a:spcPct val="0"/>
+              </a:spcAft>
+              <a:buFont typeface="Arial" panose="020B0604020202020204" pitchFamily="34" charset="0"/>
+              <a:buChar char="•"/>
+              <a:defRPr sz="2800" kern="1200">
+                <a:solidFill>
+                  <a:schemeClr val="tx1"/>
+                </a:solidFill>
+                <a:latin typeface="+mn-lt"/>
+                <a:ea typeface="+mn-ea"/>
+                <a:cs typeface="+mn-cs"/>
+              </a:defRPr>
+            </a:lvl1pPr>
+            <a:lvl2pPr marL="685800" indent="-228600" algn="l" rtl="0" eaLnBrk="0" fontAlgn="base" latinLnBrk="1" hangingPunct="0">
+              <a:lnSpc>
+                <a:spcPct val="90000"/>
+              </a:lnSpc>
+              <a:spcBef>
+                <a:spcPts val="500"/>
+              </a:spcBef>
+              <a:spcAft>
+                <a:spcPct val="0"/>
+              </a:spcAft>
+              <a:buFont typeface="Arial" panose="020B0604020202020204" pitchFamily="34" charset="0"/>
+              <a:buChar char="•"/>
+              <a:defRPr sz="2400" kern="1200">
+                <a:solidFill>
+                  <a:schemeClr val="tx1"/>
+                </a:solidFill>
+                <a:latin typeface="+mn-lt"/>
+                <a:ea typeface="+mn-ea"/>
+                <a:cs typeface="+mn-cs"/>
+              </a:defRPr>
+            </a:lvl2pPr>
+            <a:lvl3pPr marL="1143000" indent="-228600" algn="l" rtl="0" eaLnBrk="0" fontAlgn="base" latinLnBrk="1" hangingPunct="0">
+              <a:lnSpc>
+                <a:spcPct val="90000"/>
+              </a:lnSpc>
+              <a:spcBef>
+                <a:spcPts val="500"/>
+              </a:spcBef>
+              <a:spcAft>
+                <a:spcPct val="0"/>
+              </a:spcAft>
+              <a:buFont typeface="Arial" panose="020B0604020202020204" pitchFamily="34" charset="0"/>
+              <a:buChar char="•"/>
+              <a:defRPr sz="2000" kern="1200">
+                <a:solidFill>
+                  <a:schemeClr val="tx1"/>
+                </a:solidFill>
+                <a:latin typeface="+mn-lt"/>
+                <a:ea typeface="+mn-ea"/>
+                <a:cs typeface="+mn-cs"/>
+              </a:defRPr>
+            </a:lvl3pPr>
+            <a:lvl4pPr marL="1600200" indent="-228600" algn="l" rtl="0" eaLnBrk="0" fontAlgn="base" latinLnBrk="1" hangingPunct="0">
+              <a:lnSpc>
+                <a:spcPct val="90000"/>
+              </a:lnSpc>
+              <a:spcBef>
+                <a:spcPts val="500"/>
+              </a:spcBef>
+              <a:spcAft>
+                <a:spcPct val="0"/>
+              </a:spcAft>
+              <a:buFont typeface="Arial" panose="020B0604020202020204" pitchFamily="34" charset="0"/>
+              <a:buChar char="•"/>
+              <a:defRPr sz="2000" kern="1200">
+                <a:solidFill>
+                  <a:schemeClr val="tx1"/>
+                </a:solidFill>
+                <a:latin typeface="+mn-lt"/>
+                <a:ea typeface="+mn-ea"/>
+                <a:cs typeface="+mn-cs"/>
+              </a:defRPr>
+            </a:lvl4pPr>
+            <a:lvl5pPr marL="2057400" indent="-228600" algn="l" rtl="0" eaLnBrk="0" fontAlgn="base" latinLnBrk="1" hangingPunct="0">
+              <a:lnSpc>
+                <a:spcPct val="90000"/>
+              </a:lnSpc>
+              <a:spcBef>
+                <a:spcPts val="500"/>
+              </a:spcBef>
+              <a:spcAft>
+                <a:spcPct val="0"/>
+              </a:spcAft>
+              <a:buFont typeface="Arial" panose="020B0604020202020204" pitchFamily="34" charset="0"/>
+              <a:buChar char="•"/>
+              <a:defRPr sz="2000" kern="1200">
+                <a:solidFill>
+                  <a:schemeClr val="tx1"/>
+                </a:solidFill>
+                <a:latin typeface="+mn-lt"/>
+                <a:ea typeface="+mn-ea"/>
+                <a:cs typeface="+mn-cs"/>
+              </a:defRPr>
+            </a:lvl5pPr>
+            <a:lvl6pPr marL="2514600" indent="-228600" algn="l" defTabSz="914400" rtl="0" eaLnBrk="1" latinLnBrk="1" hangingPunct="1">
+              <a:lnSpc>
+                <a:spcPct val="90000"/>
+              </a:lnSpc>
+              <a:spcBef>
+                <a:spcPts val="500"/>
+              </a:spcBef>
+              <a:buFont typeface="Arial" panose="020B0604020202020204" pitchFamily="34" charset="0"/>
+              <a:buChar char="•"/>
+              <a:defRPr sz="1800" kern="1200">
+                <a:solidFill>
+                  <a:schemeClr val="tx1"/>
+                </a:solidFill>
+                <a:latin typeface="+mn-lt"/>
+                <a:ea typeface="+mn-ea"/>
+                <a:cs typeface="+mn-cs"/>
+              </a:defRPr>
+            </a:lvl6pPr>
+            <a:lvl7pPr marL="2971800" indent="-228600" algn="l" defTabSz="914400" rtl="0" eaLnBrk="1" latinLnBrk="1" hangingPunct="1">
+              <a:lnSpc>
+                <a:spcPct val="90000"/>
+              </a:lnSpc>
+              <a:spcBef>
+                <a:spcPts val="500"/>
+              </a:spcBef>
+              <a:buFont typeface="Arial" panose="020B0604020202020204" pitchFamily="34" charset="0"/>
+              <a:buChar char="•"/>
+              <a:defRPr sz="1800" kern="1200">
+                <a:solidFill>
+                  <a:schemeClr val="tx1"/>
+                </a:solidFill>
+                <a:latin typeface="+mn-lt"/>
+                <a:ea typeface="+mn-ea"/>
+                <a:cs typeface="+mn-cs"/>
+              </a:defRPr>
+            </a:lvl7pPr>
+            <a:lvl8pPr marL="3429000" indent="-228600" algn="l" defTabSz="914400" rtl="0" eaLnBrk="1" latinLnBrk="1" hangingPunct="1">
+              <a:lnSpc>
+                <a:spcPct val="90000"/>
+              </a:lnSpc>
+              <a:spcBef>
+                <a:spcPts val="500"/>
+              </a:spcBef>
+              <a:buFont typeface="Arial" panose="020B0604020202020204" pitchFamily="34" charset="0"/>
+              <a:buChar char="•"/>
+              <a:defRPr sz="1800" kern="1200">
+                <a:solidFill>
+                  <a:schemeClr val="tx1"/>
+                </a:solidFill>
+                <a:latin typeface="+mn-lt"/>
+                <a:ea typeface="+mn-ea"/>
+                <a:cs typeface="+mn-cs"/>
+              </a:defRPr>
+            </a:lvl8pPr>
+            <a:lvl9pPr marL="3886200" indent="-228600" algn="l" defTabSz="914400" rtl="0" eaLnBrk="1" latinLnBrk="1" hangingPunct="1">
+              <a:lnSpc>
+                <a:spcPct val="90000"/>
+              </a:lnSpc>
+              <a:spcBef>
+                <a:spcPts val="500"/>
+              </a:spcBef>
+              <a:buFont typeface="Arial" panose="020B0604020202020204" pitchFamily="34" charset="0"/>
+              <a:buChar char="•"/>
+              <a:defRPr sz="1800" kern="1200">
+                <a:solidFill>
+                  <a:schemeClr val="tx1"/>
+                </a:solidFill>
+                <a:latin typeface="+mn-lt"/>
+                <a:ea typeface="+mn-ea"/>
+                <a:cs typeface="+mn-cs"/>
+              </a:defRPr>
+            </a:lvl9pPr>
+          </a:lstStyle>
+          <a:p>
+            <a:pPr marL="0" indent="0">
+              <a:buNone/>
+            </a:pPr>
+            <a:r>
+              <a:rPr lang="en-US" altLang="ko-KR" sz="1400" dirty="0" err="1" smtClean="0"/>
+              <a:t>View</a:t>
+            </a:r>
+            <a:r>
+              <a:rPr lang="en-US" altLang="ko-KR" sz="1400" dirty="0" err="1" smtClean="0"/>
+              <a:t>.jsp</a:t>
+            </a:r>
+            <a:r>
+              <a:rPr lang="en-US" altLang="ko-KR" sz="1400" dirty="0" smtClean="0"/>
+              <a:t> </a:t>
+            </a:r>
+            <a:r>
+              <a:rPr lang="ko-KR" altLang="en-US" sz="1400" dirty="0" smtClean="0"/>
+              <a:t>의 </a:t>
+            </a:r>
+            <a:r>
+              <a:rPr lang="ko-KR" altLang="en-US" sz="1400" dirty="0" err="1" smtClean="0"/>
+              <a:t>삭제버튼</a:t>
+            </a:r>
+            <a:endParaRPr lang="en-US" altLang="ko-KR" sz="1400" dirty="0"/>
+          </a:p>
+        </p:txBody>
+      </p:sp>
+      <p:sp>
+        <p:nvSpPr>
+          <p:cNvPr id="8" name="직사각형 7"/>
+          <p:cNvSpPr/>
+          <p:nvPr/>
+        </p:nvSpPr>
+        <p:spPr>
+          <a:xfrm>
+            <a:off x="6276020" y="2295502"/>
+            <a:ext cx="1939895" cy="263649"/>
+          </a:xfrm>
+          <a:prstGeom prst="rect">
+            <a:avLst/>
+          </a:prstGeom>
+          <a:noFill/>
+          <a:ln w="28575"/>
+        </p:spPr>
+        <p:style>
+          <a:lnRef idx="2">
+            <a:schemeClr val="accent1">
+              <a:shade val="50000"/>
+            </a:schemeClr>
+          </a:lnRef>
+          <a:fillRef idx="1">
+            <a:schemeClr val="accent1"/>
+          </a:fillRef>
+          <a:effectRef idx="0">
+            <a:schemeClr val="accent1"/>
+          </a:effectRef>
+          <a:fontRef idx="minor">
+            <a:schemeClr val="lt1"/>
+          </a:fontRef>
+        </p:style>
+        <p:txBody>
+          <a:bodyPr rtlCol="0" anchor="ctr"/>
+          <a:lstStyle/>
+          <a:p>
+            <a:pPr algn="ctr"/>
+            <a:endParaRPr lang="ko-KR" altLang="en-US"/>
+          </a:p>
+        </p:txBody>
+      </p:sp>
+      <p:sp>
+        <p:nvSpPr>
+          <p:cNvPr id="11" name="텍스트 개체 틀 31">
+            <a:extLst>
+              <a:ext uri="{FF2B5EF4-FFF2-40B4-BE49-F238E27FC236}">
+                <a16:creationId xmlns:a16="http://schemas.microsoft.com/office/drawing/2014/main" id="{82F43559-8534-46C3-9C2D-0ECDE18C02EE}"/>
+              </a:ext>
+            </a:extLst>
+          </p:cNvPr>
+          <p:cNvSpPr txBox="1">
+            <a:spLocks/>
+          </p:cNvSpPr>
+          <p:nvPr/>
+        </p:nvSpPr>
+        <p:spPr>
+          <a:xfrm>
+            <a:off x="452520" y="3470977"/>
+            <a:ext cx="2907176" cy="455715"/>
+          </a:xfrm>
+          <a:prstGeom prst="rect">
+            <a:avLst/>
+          </a:prstGeom>
+        </p:spPr>
+        <p:txBody>
+          <a:bodyPr/>
+          <a:lstStyle>
+            <a:lvl1pPr marL="228600" indent="-228600" algn="l" rtl="0" eaLnBrk="0" fontAlgn="base" latinLnBrk="1" hangingPunct="0">
+              <a:lnSpc>
+                <a:spcPct val="90000"/>
+              </a:lnSpc>
+              <a:spcBef>
+                <a:spcPts val="1000"/>
+              </a:spcBef>
+              <a:spcAft>
+                <a:spcPct val="0"/>
+              </a:spcAft>
+              <a:buFont typeface="Arial" panose="020B0604020202020204" pitchFamily="34" charset="0"/>
+              <a:buChar char="•"/>
+              <a:defRPr sz="2800" kern="1200">
+                <a:solidFill>
+                  <a:schemeClr val="tx1"/>
+                </a:solidFill>
+                <a:latin typeface="+mn-lt"/>
+                <a:ea typeface="+mn-ea"/>
+                <a:cs typeface="+mn-cs"/>
+              </a:defRPr>
+            </a:lvl1pPr>
+            <a:lvl2pPr marL="685800" indent="-228600" algn="l" rtl="0" eaLnBrk="0" fontAlgn="base" latinLnBrk="1" hangingPunct="0">
+              <a:lnSpc>
+                <a:spcPct val="90000"/>
+              </a:lnSpc>
+              <a:spcBef>
+                <a:spcPts val="500"/>
+              </a:spcBef>
+              <a:spcAft>
+                <a:spcPct val="0"/>
+              </a:spcAft>
+              <a:buFont typeface="Arial" panose="020B0604020202020204" pitchFamily="34" charset="0"/>
+              <a:buChar char="•"/>
+              <a:defRPr sz="2400" kern="1200">
+                <a:solidFill>
+                  <a:schemeClr val="tx1"/>
+                </a:solidFill>
+                <a:latin typeface="+mn-lt"/>
+                <a:ea typeface="+mn-ea"/>
+                <a:cs typeface="+mn-cs"/>
+              </a:defRPr>
+            </a:lvl2pPr>
+            <a:lvl3pPr marL="1143000" indent="-228600" algn="l" rtl="0" eaLnBrk="0" fontAlgn="base" latinLnBrk="1" hangingPunct="0">
+              <a:lnSpc>
+                <a:spcPct val="90000"/>
+              </a:lnSpc>
+              <a:spcBef>
+                <a:spcPts val="500"/>
+              </a:spcBef>
+              <a:spcAft>
+                <a:spcPct val="0"/>
+              </a:spcAft>
+              <a:buFont typeface="Arial" panose="020B0604020202020204" pitchFamily="34" charset="0"/>
+              <a:buChar char="•"/>
+              <a:defRPr sz="2000" kern="1200">
+                <a:solidFill>
+                  <a:schemeClr val="tx1"/>
+                </a:solidFill>
+                <a:latin typeface="+mn-lt"/>
+                <a:ea typeface="+mn-ea"/>
+                <a:cs typeface="+mn-cs"/>
+              </a:defRPr>
+            </a:lvl3pPr>
+            <a:lvl4pPr marL="1600200" indent="-228600" algn="l" rtl="0" eaLnBrk="0" fontAlgn="base" latinLnBrk="1" hangingPunct="0">
+              <a:lnSpc>
+                <a:spcPct val="90000"/>
+              </a:lnSpc>
+              <a:spcBef>
+                <a:spcPts val="500"/>
+              </a:spcBef>
+              <a:spcAft>
+                <a:spcPct val="0"/>
+              </a:spcAft>
+              <a:buFont typeface="Arial" panose="020B0604020202020204" pitchFamily="34" charset="0"/>
+              <a:buChar char="•"/>
+              <a:defRPr sz="2000" kern="1200">
+                <a:solidFill>
+                  <a:schemeClr val="tx1"/>
+                </a:solidFill>
+                <a:latin typeface="+mn-lt"/>
+                <a:ea typeface="+mn-ea"/>
+                <a:cs typeface="+mn-cs"/>
+              </a:defRPr>
+            </a:lvl4pPr>
+            <a:lvl5pPr marL="2057400" indent="-228600" algn="l" rtl="0" eaLnBrk="0" fontAlgn="base" latinLnBrk="1" hangingPunct="0">
+              <a:lnSpc>
+                <a:spcPct val="90000"/>
+              </a:lnSpc>
+              <a:spcBef>
+                <a:spcPts val="500"/>
+              </a:spcBef>
+              <a:spcAft>
+                <a:spcPct val="0"/>
+              </a:spcAft>
+              <a:buFont typeface="Arial" panose="020B0604020202020204" pitchFamily="34" charset="0"/>
+              <a:buChar char="•"/>
+              <a:defRPr sz="2000" kern="1200">
+                <a:solidFill>
+                  <a:schemeClr val="tx1"/>
+                </a:solidFill>
+                <a:latin typeface="+mn-lt"/>
+                <a:ea typeface="+mn-ea"/>
+                <a:cs typeface="+mn-cs"/>
+              </a:defRPr>
+            </a:lvl5pPr>
+            <a:lvl6pPr marL="2514600" indent="-228600" algn="l" defTabSz="914400" rtl="0" eaLnBrk="1" latinLnBrk="1" hangingPunct="1">
+              <a:lnSpc>
+                <a:spcPct val="90000"/>
+              </a:lnSpc>
+              <a:spcBef>
+                <a:spcPts val="500"/>
+              </a:spcBef>
+              <a:buFont typeface="Arial" panose="020B0604020202020204" pitchFamily="34" charset="0"/>
+              <a:buChar char="•"/>
+              <a:defRPr sz="1800" kern="1200">
+                <a:solidFill>
+                  <a:schemeClr val="tx1"/>
+                </a:solidFill>
+                <a:latin typeface="+mn-lt"/>
+                <a:ea typeface="+mn-ea"/>
+                <a:cs typeface="+mn-cs"/>
+              </a:defRPr>
+            </a:lvl6pPr>
+            <a:lvl7pPr marL="2971800" indent="-228600" algn="l" defTabSz="914400" rtl="0" eaLnBrk="1" latinLnBrk="1" hangingPunct="1">
+              <a:lnSpc>
+                <a:spcPct val="90000"/>
+              </a:lnSpc>
+              <a:spcBef>
+                <a:spcPts val="500"/>
+              </a:spcBef>
+              <a:buFont typeface="Arial" panose="020B0604020202020204" pitchFamily="34" charset="0"/>
+              <a:buChar char="•"/>
+              <a:defRPr sz="1800" kern="1200">
+                <a:solidFill>
+                  <a:schemeClr val="tx1"/>
+                </a:solidFill>
+                <a:latin typeface="+mn-lt"/>
+                <a:ea typeface="+mn-ea"/>
+                <a:cs typeface="+mn-cs"/>
+              </a:defRPr>
+            </a:lvl7pPr>
+            <a:lvl8pPr marL="3429000" indent="-228600" algn="l" defTabSz="914400" rtl="0" eaLnBrk="1" latinLnBrk="1" hangingPunct="1">
+              <a:lnSpc>
+                <a:spcPct val="90000"/>
+              </a:lnSpc>
+              <a:spcBef>
+                <a:spcPts val="500"/>
+              </a:spcBef>
+              <a:buFont typeface="Arial" panose="020B0604020202020204" pitchFamily="34" charset="0"/>
+              <a:buChar char="•"/>
+              <a:defRPr sz="1800" kern="1200">
+                <a:solidFill>
+                  <a:schemeClr val="tx1"/>
+                </a:solidFill>
+                <a:latin typeface="+mn-lt"/>
+                <a:ea typeface="+mn-ea"/>
+                <a:cs typeface="+mn-cs"/>
+              </a:defRPr>
+            </a:lvl8pPr>
+            <a:lvl9pPr marL="3886200" indent="-228600" algn="l" defTabSz="914400" rtl="0" eaLnBrk="1" latinLnBrk="1" hangingPunct="1">
+              <a:lnSpc>
+                <a:spcPct val="90000"/>
+              </a:lnSpc>
+              <a:spcBef>
+                <a:spcPts val="500"/>
+              </a:spcBef>
+              <a:buFont typeface="Arial" panose="020B0604020202020204" pitchFamily="34" charset="0"/>
+              <a:buChar char="•"/>
+              <a:defRPr sz="1800" kern="1200">
+                <a:solidFill>
+                  <a:schemeClr val="tx1"/>
+                </a:solidFill>
+                <a:latin typeface="+mn-lt"/>
+                <a:ea typeface="+mn-ea"/>
+                <a:cs typeface="+mn-cs"/>
+              </a:defRPr>
+            </a:lvl9pPr>
+          </a:lstStyle>
+          <a:p>
+            <a:pPr marL="0" indent="0">
+              <a:buNone/>
+            </a:pPr>
+            <a:r>
+              <a:rPr lang="en-US" altLang="ko-KR" sz="1400" dirty="0" err="1" smtClean="0"/>
+              <a:t>DeleteController</a:t>
+            </a:r>
+            <a:endParaRPr lang="en-US" altLang="ko-KR" sz="1400" dirty="0"/>
+          </a:p>
+        </p:txBody>
+      </p:sp>
+      <p:pic>
+        <p:nvPicPr>
+          <p:cNvPr id="4" name="그림 3"/>
+          <p:cNvPicPr>
+            <a:picLocks noChangeAspect="1"/>
+          </p:cNvPicPr>
+          <p:nvPr/>
+        </p:nvPicPr>
+        <p:blipFill>
+          <a:blip r:embed="rId3"/>
+          <a:stretch>
+            <a:fillRect/>
+          </a:stretch>
+        </p:blipFill>
+        <p:spPr>
+          <a:xfrm>
+            <a:off x="452520" y="3725288"/>
+            <a:ext cx="6439799" cy="1228896"/>
+          </a:xfrm>
+          <a:prstGeom prst="rect">
+            <a:avLst/>
+          </a:prstGeom>
+        </p:spPr>
+      </p:pic>
+      <p:sp>
+        <p:nvSpPr>
+          <p:cNvPr id="12" name="직사각형 11"/>
+          <p:cNvSpPr/>
+          <p:nvPr/>
+        </p:nvSpPr>
+        <p:spPr>
+          <a:xfrm>
+            <a:off x="634466" y="4185084"/>
+            <a:ext cx="2509206" cy="263649"/>
+          </a:xfrm>
+          <a:prstGeom prst="rect">
+            <a:avLst/>
+          </a:prstGeom>
+          <a:noFill/>
+          <a:ln w="28575"/>
+        </p:spPr>
+        <p:style>
+          <a:lnRef idx="2">
+            <a:schemeClr val="accent1">
+              <a:shade val="50000"/>
+            </a:schemeClr>
+          </a:lnRef>
+          <a:fillRef idx="1">
+            <a:schemeClr val="accent1"/>
+          </a:fillRef>
+          <a:effectRef idx="0">
+            <a:schemeClr val="accent1"/>
+          </a:effectRef>
+          <a:fontRef idx="minor">
+            <a:schemeClr val="lt1"/>
+          </a:fontRef>
+        </p:style>
+        <p:txBody>
+          <a:bodyPr rtlCol="0" anchor="ctr"/>
+          <a:lstStyle/>
+          <a:p>
+            <a:pPr algn="ctr"/>
+            <a:endParaRPr lang="ko-KR" altLang="en-US"/>
+          </a:p>
+        </p:txBody>
+      </p:sp>
+      <p:sp>
+        <p:nvSpPr>
+          <p:cNvPr id="13" name="텍스트 개체 틀 31">
+            <a:extLst>
+              <a:ext uri="{FF2B5EF4-FFF2-40B4-BE49-F238E27FC236}">
+                <a16:creationId xmlns:a16="http://schemas.microsoft.com/office/drawing/2014/main" id="{82F43559-8534-46C3-9C2D-0ECDE18C02EE}"/>
+              </a:ext>
+            </a:extLst>
+          </p:cNvPr>
+          <p:cNvSpPr txBox="1">
+            <a:spLocks/>
+          </p:cNvSpPr>
+          <p:nvPr/>
+        </p:nvSpPr>
+        <p:spPr>
+          <a:xfrm>
+            <a:off x="7245966" y="4111878"/>
+            <a:ext cx="3494549" cy="842306"/>
+          </a:xfrm>
+          <a:prstGeom prst="rect">
+            <a:avLst/>
+          </a:prstGeom>
+        </p:spPr>
+        <p:txBody>
+          <a:bodyPr/>
+          <a:lstStyle>
+            <a:lvl1pPr marL="228600" indent="-228600" algn="l" rtl="0" eaLnBrk="0" fontAlgn="base" latinLnBrk="1" hangingPunct="0">
+              <a:lnSpc>
+                <a:spcPct val="90000"/>
+              </a:lnSpc>
+              <a:spcBef>
+                <a:spcPts val="1000"/>
+              </a:spcBef>
+              <a:spcAft>
+                <a:spcPct val="0"/>
+              </a:spcAft>
+              <a:buFont typeface="Arial" panose="020B0604020202020204" pitchFamily="34" charset="0"/>
+              <a:buChar char="•"/>
+              <a:defRPr sz="2800" kern="1200">
+                <a:solidFill>
+                  <a:schemeClr val="tx1"/>
+                </a:solidFill>
+                <a:latin typeface="+mn-lt"/>
+                <a:ea typeface="+mn-ea"/>
+                <a:cs typeface="+mn-cs"/>
+              </a:defRPr>
+            </a:lvl1pPr>
+            <a:lvl2pPr marL="685800" indent="-228600" algn="l" rtl="0" eaLnBrk="0" fontAlgn="base" latinLnBrk="1" hangingPunct="0">
+              <a:lnSpc>
+                <a:spcPct val="90000"/>
+              </a:lnSpc>
+              <a:spcBef>
+                <a:spcPts val="500"/>
+              </a:spcBef>
+              <a:spcAft>
+                <a:spcPct val="0"/>
+              </a:spcAft>
+              <a:buFont typeface="Arial" panose="020B0604020202020204" pitchFamily="34" charset="0"/>
+              <a:buChar char="•"/>
+              <a:defRPr sz="2400" kern="1200">
+                <a:solidFill>
+                  <a:schemeClr val="tx1"/>
+                </a:solidFill>
+                <a:latin typeface="+mn-lt"/>
+                <a:ea typeface="+mn-ea"/>
+                <a:cs typeface="+mn-cs"/>
+              </a:defRPr>
+            </a:lvl2pPr>
+            <a:lvl3pPr marL="1143000" indent="-228600" algn="l" rtl="0" eaLnBrk="0" fontAlgn="base" latinLnBrk="1" hangingPunct="0">
+              <a:lnSpc>
+                <a:spcPct val="90000"/>
+              </a:lnSpc>
+              <a:spcBef>
+                <a:spcPts val="500"/>
+              </a:spcBef>
+              <a:spcAft>
+                <a:spcPct val="0"/>
+              </a:spcAft>
+              <a:buFont typeface="Arial" panose="020B0604020202020204" pitchFamily="34" charset="0"/>
+              <a:buChar char="•"/>
+              <a:defRPr sz="2000" kern="1200">
+                <a:solidFill>
+                  <a:schemeClr val="tx1"/>
+                </a:solidFill>
+                <a:latin typeface="+mn-lt"/>
+                <a:ea typeface="+mn-ea"/>
+                <a:cs typeface="+mn-cs"/>
+              </a:defRPr>
+            </a:lvl3pPr>
+            <a:lvl4pPr marL="1600200" indent="-228600" algn="l" rtl="0" eaLnBrk="0" fontAlgn="base" latinLnBrk="1" hangingPunct="0">
+              <a:lnSpc>
+                <a:spcPct val="90000"/>
+              </a:lnSpc>
+              <a:spcBef>
+                <a:spcPts val="500"/>
+              </a:spcBef>
+              <a:spcAft>
+                <a:spcPct val="0"/>
+              </a:spcAft>
+              <a:buFont typeface="Arial" panose="020B0604020202020204" pitchFamily="34" charset="0"/>
+              <a:buChar char="•"/>
+              <a:defRPr sz="2000" kern="1200">
+                <a:solidFill>
+                  <a:schemeClr val="tx1"/>
+                </a:solidFill>
+                <a:latin typeface="+mn-lt"/>
+                <a:ea typeface="+mn-ea"/>
+                <a:cs typeface="+mn-cs"/>
+              </a:defRPr>
+            </a:lvl4pPr>
+            <a:lvl5pPr marL="2057400" indent="-228600" algn="l" rtl="0" eaLnBrk="0" fontAlgn="base" latinLnBrk="1" hangingPunct="0">
+              <a:lnSpc>
+                <a:spcPct val="90000"/>
+              </a:lnSpc>
+              <a:spcBef>
+                <a:spcPts val="500"/>
+              </a:spcBef>
+              <a:spcAft>
+                <a:spcPct val="0"/>
+              </a:spcAft>
+              <a:buFont typeface="Arial" panose="020B0604020202020204" pitchFamily="34" charset="0"/>
+              <a:buChar char="•"/>
+              <a:defRPr sz="2000" kern="1200">
+                <a:solidFill>
+                  <a:schemeClr val="tx1"/>
+                </a:solidFill>
+                <a:latin typeface="+mn-lt"/>
+                <a:ea typeface="+mn-ea"/>
+                <a:cs typeface="+mn-cs"/>
+              </a:defRPr>
+            </a:lvl5pPr>
+            <a:lvl6pPr marL="2514600" indent="-228600" algn="l" defTabSz="914400" rtl="0" eaLnBrk="1" latinLnBrk="1" hangingPunct="1">
+              <a:lnSpc>
+                <a:spcPct val="90000"/>
+              </a:lnSpc>
+              <a:spcBef>
+                <a:spcPts val="500"/>
+              </a:spcBef>
+              <a:buFont typeface="Arial" panose="020B0604020202020204" pitchFamily="34" charset="0"/>
+              <a:buChar char="•"/>
+              <a:defRPr sz="1800" kern="1200">
+                <a:solidFill>
+                  <a:schemeClr val="tx1"/>
+                </a:solidFill>
+                <a:latin typeface="+mn-lt"/>
+                <a:ea typeface="+mn-ea"/>
+                <a:cs typeface="+mn-cs"/>
+              </a:defRPr>
+            </a:lvl6pPr>
+            <a:lvl7pPr marL="2971800" indent="-228600" algn="l" defTabSz="914400" rtl="0" eaLnBrk="1" latinLnBrk="1" hangingPunct="1">
+              <a:lnSpc>
+                <a:spcPct val="90000"/>
+              </a:lnSpc>
+              <a:spcBef>
+                <a:spcPts val="500"/>
+              </a:spcBef>
+              <a:buFont typeface="Arial" panose="020B0604020202020204" pitchFamily="34" charset="0"/>
+              <a:buChar char="•"/>
+              <a:defRPr sz="1800" kern="1200">
+                <a:solidFill>
+                  <a:schemeClr val="tx1"/>
+                </a:solidFill>
+                <a:latin typeface="+mn-lt"/>
+                <a:ea typeface="+mn-ea"/>
+                <a:cs typeface="+mn-cs"/>
+              </a:defRPr>
+            </a:lvl7pPr>
+            <a:lvl8pPr marL="3429000" indent="-228600" algn="l" defTabSz="914400" rtl="0" eaLnBrk="1" latinLnBrk="1" hangingPunct="1">
+              <a:lnSpc>
+                <a:spcPct val="90000"/>
+              </a:lnSpc>
+              <a:spcBef>
+                <a:spcPts val="500"/>
+              </a:spcBef>
+              <a:buFont typeface="Arial" panose="020B0604020202020204" pitchFamily="34" charset="0"/>
+              <a:buChar char="•"/>
+              <a:defRPr sz="1800" kern="1200">
+                <a:solidFill>
+                  <a:schemeClr val="tx1"/>
+                </a:solidFill>
+                <a:latin typeface="+mn-lt"/>
+                <a:ea typeface="+mn-ea"/>
+                <a:cs typeface="+mn-cs"/>
+              </a:defRPr>
+            </a:lvl8pPr>
+            <a:lvl9pPr marL="3886200" indent="-228600" algn="l" defTabSz="914400" rtl="0" eaLnBrk="1" latinLnBrk="1" hangingPunct="1">
+              <a:lnSpc>
+                <a:spcPct val="90000"/>
+              </a:lnSpc>
+              <a:spcBef>
+                <a:spcPts val="500"/>
+              </a:spcBef>
+              <a:buFont typeface="Arial" panose="020B0604020202020204" pitchFamily="34" charset="0"/>
+              <a:buChar char="•"/>
+              <a:defRPr sz="1800" kern="1200">
+                <a:solidFill>
+                  <a:schemeClr val="tx1"/>
+                </a:solidFill>
+                <a:latin typeface="+mn-lt"/>
+                <a:ea typeface="+mn-ea"/>
+                <a:cs typeface="+mn-cs"/>
+              </a:defRPr>
+            </a:lvl9pPr>
+          </a:lstStyle>
+          <a:p>
+            <a:pPr marL="0" indent="0">
+              <a:buNone/>
+            </a:pPr>
+            <a:r>
+              <a:rPr lang="ko-KR" altLang="en-US" sz="1400" dirty="0" err="1" smtClean="0"/>
+              <a:t>게시글</a:t>
+            </a:r>
+            <a:r>
+              <a:rPr lang="ko-KR" altLang="en-US" sz="1400" dirty="0" smtClean="0"/>
+              <a:t> 주인의 </a:t>
+            </a:r>
+            <a:r>
+              <a:rPr lang="en-US" altLang="ko-KR" sz="1400" dirty="0" err="1" smtClean="0"/>
+              <a:t>userid</a:t>
+            </a:r>
+            <a:r>
+              <a:rPr lang="en-US" altLang="ko-KR" sz="1400" dirty="0" smtClean="0"/>
+              <a:t> </a:t>
+            </a:r>
+            <a:r>
+              <a:rPr lang="ko-KR" altLang="en-US" sz="1400" dirty="0" smtClean="0"/>
+              <a:t>가 아닌</a:t>
+            </a:r>
+            <a:r>
+              <a:rPr lang="en-US" altLang="ko-KR" sz="1400" dirty="0" smtClean="0"/>
+              <a:t>,</a:t>
+            </a:r>
+          </a:p>
+          <a:p>
+            <a:pPr marL="0" indent="0">
+              <a:buNone/>
+            </a:pPr>
+            <a:r>
+              <a:rPr lang="ko-KR" altLang="en-US" sz="1400" dirty="0" smtClean="0"/>
+              <a:t>로그인한 </a:t>
+            </a:r>
+            <a:r>
+              <a:rPr lang="en-US" altLang="ko-KR" sz="1400" dirty="0" err="1" smtClean="0"/>
+              <a:t>userid</a:t>
+            </a:r>
+            <a:r>
+              <a:rPr lang="en-US" altLang="ko-KR" sz="1400" dirty="0" smtClean="0"/>
+              <a:t> </a:t>
+            </a:r>
+            <a:r>
+              <a:rPr lang="ko-KR" altLang="en-US" sz="1400" dirty="0" smtClean="0"/>
+              <a:t>로 변경해서 </a:t>
+            </a:r>
+            <a:r>
+              <a:rPr lang="en-US" altLang="ko-KR" sz="1400" dirty="0" smtClean="0"/>
+              <a:t>DAO</a:t>
+            </a:r>
+            <a:r>
+              <a:rPr lang="ko-KR" altLang="en-US" sz="1400" dirty="0" smtClean="0"/>
+              <a:t>로 전달</a:t>
+            </a:r>
+            <a:endParaRPr lang="en-US" altLang="ko-KR" sz="1400" dirty="0"/>
+          </a:p>
+        </p:txBody>
+      </p:sp>
+      <p:cxnSp>
+        <p:nvCxnSpPr>
+          <p:cNvPr id="14" name="직선 화살표 연결선 13"/>
+          <p:cNvCxnSpPr/>
+          <p:nvPr/>
+        </p:nvCxnSpPr>
+        <p:spPr>
+          <a:xfrm flipH="1">
+            <a:off x="3143672" y="2559151"/>
+            <a:ext cx="3132348" cy="1625933"/>
+          </a:xfrm>
+          <a:prstGeom prst="straightConnector1">
+            <a:avLst/>
+          </a:prstGeom>
+          <a:ln>
+            <a:tailEnd type="triangle"/>
+          </a:ln>
+        </p:spPr>
+        <p:style>
+          <a:lnRef idx="1">
+            <a:schemeClr val="accent1"/>
+          </a:lnRef>
+          <a:fillRef idx="0">
+            <a:schemeClr val="accent1"/>
+          </a:fillRef>
+          <a:effectRef idx="0">
+            <a:schemeClr val="accent1"/>
+          </a:effectRef>
+          <a:fontRef idx="minor">
+            <a:schemeClr val="tx1"/>
+          </a:fontRef>
+        </p:style>
+      </p:cxnSp>
+      <p:cxnSp>
+        <p:nvCxnSpPr>
+          <p:cNvPr id="17" name="직선 화살표 연결선 16"/>
+          <p:cNvCxnSpPr/>
+          <p:nvPr/>
+        </p:nvCxnSpPr>
+        <p:spPr>
+          <a:xfrm>
+            <a:off x="3143672" y="4329100"/>
+            <a:ext cx="4102294" cy="0"/>
+          </a:xfrm>
+          <a:prstGeom prst="straightConnector1">
+            <a:avLst/>
+          </a:prstGeom>
+          <a:ln>
+            <a:tailEnd type="triangle"/>
+          </a:ln>
+        </p:spPr>
+        <p:style>
+          <a:lnRef idx="1">
+            <a:schemeClr val="accent1"/>
+          </a:lnRef>
+          <a:fillRef idx="0">
+            <a:schemeClr val="accent1"/>
+          </a:fillRef>
+          <a:effectRef idx="0">
+            <a:schemeClr val="accent1"/>
+          </a:effectRef>
+          <a:fontRef idx="minor">
+            <a:schemeClr val="tx1"/>
+          </a:fontRef>
+        </p:style>
+      </p:cxnSp>
+      <p:pic>
+        <p:nvPicPr>
+          <p:cNvPr id="16" name="그림 15"/>
+          <p:cNvPicPr>
+            <a:picLocks noChangeAspect="1"/>
+          </p:cNvPicPr>
+          <p:nvPr/>
+        </p:nvPicPr>
+        <p:blipFill rotWithShape="1">
+          <a:blip r:embed="rId4"/>
+          <a:srcRect r="9427"/>
+          <a:stretch/>
+        </p:blipFill>
+        <p:spPr>
+          <a:xfrm>
+            <a:off x="452893" y="5371960"/>
+            <a:ext cx="6471200" cy="1181265"/>
+          </a:xfrm>
+          <a:prstGeom prst="rect">
+            <a:avLst/>
+          </a:prstGeom>
+        </p:spPr>
+      </p:pic>
+      <p:sp>
+        <p:nvSpPr>
+          <p:cNvPr id="21" name="텍스트 개체 틀 31">
+            <a:extLst>
+              <a:ext uri="{FF2B5EF4-FFF2-40B4-BE49-F238E27FC236}">
+                <a16:creationId xmlns:a16="http://schemas.microsoft.com/office/drawing/2014/main" id="{82F43559-8534-46C3-9C2D-0ECDE18C02EE}"/>
+              </a:ext>
+            </a:extLst>
+          </p:cNvPr>
+          <p:cNvSpPr txBox="1">
+            <a:spLocks/>
+          </p:cNvSpPr>
+          <p:nvPr/>
+        </p:nvSpPr>
+        <p:spPr>
+          <a:xfrm>
+            <a:off x="452520" y="5061888"/>
+            <a:ext cx="2907176" cy="455715"/>
+          </a:xfrm>
+          <a:prstGeom prst="rect">
+            <a:avLst/>
+          </a:prstGeom>
+        </p:spPr>
+        <p:txBody>
+          <a:bodyPr/>
+          <a:lstStyle>
+            <a:lvl1pPr marL="228600" indent="-228600" algn="l" rtl="0" eaLnBrk="0" fontAlgn="base" latinLnBrk="1" hangingPunct="0">
+              <a:lnSpc>
+                <a:spcPct val="90000"/>
+              </a:lnSpc>
+              <a:spcBef>
+                <a:spcPts val="1000"/>
+              </a:spcBef>
+              <a:spcAft>
+                <a:spcPct val="0"/>
+              </a:spcAft>
+              <a:buFont typeface="Arial" panose="020B0604020202020204" pitchFamily="34" charset="0"/>
+              <a:buChar char="•"/>
+              <a:defRPr sz="2800" kern="1200">
+                <a:solidFill>
+                  <a:schemeClr val="tx1"/>
+                </a:solidFill>
+                <a:latin typeface="+mn-lt"/>
+                <a:ea typeface="+mn-ea"/>
+                <a:cs typeface="+mn-cs"/>
+              </a:defRPr>
+            </a:lvl1pPr>
+            <a:lvl2pPr marL="685800" indent="-228600" algn="l" rtl="0" eaLnBrk="0" fontAlgn="base" latinLnBrk="1" hangingPunct="0">
+              <a:lnSpc>
+                <a:spcPct val="90000"/>
+              </a:lnSpc>
+              <a:spcBef>
+                <a:spcPts val="500"/>
+              </a:spcBef>
+              <a:spcAft>
+                <a:spcPct val="0"/>
+              </a:spcAft>
+              <a:buFont typeface="Arial" panose="020B0604020202020204" pitchFamily="34" charset="0"/>
+              <a:buChar char="•"/>
+              <a:defRPr sz="2400" kern="1200">
+                <a:solidFill>
+                  <a:schemeClr val="tx1"/>
+                </a:solidFill>
+                <a:latin typeface="+mn-lt"/>
+                <a:ea typeface="+mn-ea"/>
+                <a:cs typeface="+mn-cs"/>
+              </a:defRPr>
+            </a:lvl2pPr>
+            <a:lvl3pPr marL="1143000" indent="-228600" algn="l" rtl="0" eaLnBrk="0" fontAlgn="base" latinLnBrk="1" hangingPunct="0">
+              <a:lnSpc>
+                <a:spcPct val="90000"/>
+              </a:lnSpc>
+              <a:spcBef>
+                <a:spcPts val="500"/>
+              </a:spcBef>
+              <a:spcAft>
+                <a:spcPct val="0"/>
+              </a:spcAft>
+              <a:buFont typeface="Arial" panose="020B0604020202020204" pitchFamily="34" charset="0"/>
+              <a:buChar char="•"/>
+              <a:defRPr sz="2000" kern="1200">
+                <a:solidFill>
+                  <a:schemeClr val="tx1"/>
+                </a:solidFill>
+                <a:latin typeface="+mn-lt"/>
+                <a:ea typeface="+mn-ea"/>
+                <a:cs typeface="+mn-cs"/>
+              </a:defRPr>
+            </a:lvl3pPr>
+            <a:lvl4pPr marL="1600200" indent="-228600" algn="l" rtl="0" eaLnBrk="0" fontAlgn="base" latinLnBrk="1" hangingPunct="0">
+              <a:lnSpc>
+                <a:spcPct val="90000"/>
+              </a:lnSpc>
+              <a:spcBef>
+                <a:spcPts val="500"/>
+              </a:spcBef>
+              <a:spcAft>
+                <a:spcPct val="0"/>
+              </a:spcAft>
+              <a:buFont typeface="Arial" panose="020B0604020202020204" pitchFamily="34" charset="0"/>
+              <a:buChar char="•"/>
+              <a:defRPr sz="2000" kern="1200">
+                <a:solidFill>
+                  <a:schemeClr val="tx1"/>
+                </a:solidFill>
+                <a:latin typeface="+mn-lt"/>
+                <a:ea typeface="+mn-ea"/>
+                <a:cs typeface="+mn-cs"/>
+              </a:defRPr>
+            </a:lvl4pPr>
+            <a:lvl5pPr marL="2057400" indent="-228600" algn="l" rtl="0" eaLnBrk="0" fontAlgn="base" latinLnBrk="1" hangingPunct="0">
+              <a:lnSpc>
+                <a:spcPct val="90000"/>
+              </a:lnSpc>
+              <a:spcBef>
+                <a:spcPts val="500"/>
+              </a:spcBef>
+              <a:spcAft>
+                <a:spcPct val="0"/>
+              </a:spcAft>
+              <a:buFont typeface="Arial" panose="020B0604020202020204" pitchFamily="34" charset="0"/>
+              <a:buChar char="•"/>
+              <a:defRPr sz="2000" kern="1200">
+                <a:solidFill>
+                  <a:schemeClr val="tx1"/>
+                </a:solidFill>
+                <a:latin typeface="+mn-lt"/>
+                <a:ea typeface="+mn-ea"/>
+                <a:cs typeface="+mn-cs"/>
+              </a:defRPr>
+            </a:lvl5pPr>
+            <a:lvl6pPr marL="2514600" indent="-228600" algn="l" defTabSz="914400" rtl="0" eaLnBrk="1" latinLnBrk="1" hangingPunct="1">
+              <a:lnSpc>
+                <a:spcPct val="90000"/>
+              </a:lnSpc>
+              <a:spcBef>
+                <a:spcPts val="500"/>
+              </a:spcBef>
+              <a:buFont typeface="Arial" panose="020B0604020202020204" pitchFamily="34" charset="0"/>
+              <a:buChar char="•"/>
+              <a:defRPr sz="1800" kern="1200">
+                <a:solidFill>
+                  <a:schemeClr val="tx1"/>
+                </a:solidFill>
+                <a:latin typeface="+mn-lt"/>
+                <a:ea typeface="+mn-ea"/>
+                <a:cs typeface="+mn-cs"/>
+              </a:defRPr>
+            </a:lvl6pPr>
+            <a:lvl7pPr marL="2971800" indent="-228600" algn="l" defTabSz="914400" rtl="0" eaLnBrk="1" latinLnBrk="1" hangingPunct="1">
+              <a:lnSpc>
+                <a:spcPct val="90000"/>
+              </a:lnSpc>
+              <a:spcBef>
+                <a:spcPts val="500"/>
+              </a:spcBef>
+              <a:buFont typeface="Arial" panose="020B0604020202020204" pitchFamily="34" charset="0"/>
+              <a:buChar char="•"/>
+              <a:defRPr sz="1800" kern="1200">
+                <a:solidFill>
+                  <a:schemeClr val="tx1"/>
+                </a:solidFill>
+                <a:latin typeface="+mn-lt"/>
+                <a:ea typeface="+mn-ea"/>
+                <a:cs typeface="+mn-cs"/>
+              </a:defRPr>
+            </a:lvl7pPr>
+            <a:lvl8pPr marL="3429000" indent="-228600" algn="l" defTabSz="914400" rtl="0" eaLnBrk="1" latinLnBrk="1" hangingPunct="1">
+              <a:lnSpc>
+                <a:spcPct val="90000"/>
+              </a:lnSpc>
+              <a:spcBef>
+                <a:spcPts val="500"/>
+              </a:spcBef>
+              <a:buFont typeface="Arial" panose="020B0604020202020204" pitchFamily="34" charset="0"/>
+              <a:buChar char="•"/>
+              <a:defRPr sz="1800" kern="1200">
+                <a:solidFill>
+                  <a:schemeClr val="tx1"/>
+                </a:solidFill>
+                <a:latin typeface="+mn-lt"/>
+                <a:ea typeface="+mn-ea"/>
+                <a:cs typeface="+mn-cs"/>
+              </a:defRPr>
+            </a:lvl8pPr>
+            <a:lvl9pPr marL="3886200" indent="-228600" algn="l" defTabSz="914400" rtl="0" eaLnBrk="1" latinLnBrk="1" hangingPunct="1">
+              <a:lnSpc>
+                <a:spcPct val="90000"/>
+              </a:lnSpc>
+              <a:spcBef>
+                <a:spcPts val="500"/>
+              </a:spcBef>
+              <a:buFont typeface="Arial" panose="020B0604020202020204" pitchFamily="34" charset="0"/>
+              <a:buChar char="•"/>
+              <a:defRPr sz="1800" kern="1200">
+                <a:solidFill>
+                  <a:schemeClr val="tx1"/>
+                </a:solidFill>
+                <a:latin typeface="+mn-lt"/>
+                <a:ea typeface="+mn-ea"/>
+                <a:cs typeface="+mn-cs"/>
+              </a:defRPr>
+            </a:lvl9pPr>
+          </a:lstStyle>
+          <a:p>
+            <a:pPr marL="0" indent="0">
+              <a:buNone/>
+            </a:pPr>
+            <a:r>
+              <a:rPr lang="en-US" altLang="ko-KR" sz="1400" dirty="0" err="1" smtClean="0"/>
+              <a:t>FreeboardDAO</a:t>
+            </a:r>
+            <a:endParaRPr lang="en-US" altLang="ko-KR" sz="1400" dirty="0"/>
+          </a:p>
+        </p:txBody>
+      </p:sp>
+      <p:sp>
+        <p:nvSpPr>
+          <p:cNvPr id="23" name="텍스트 개체 틀 31">
+            <a:extLst>
+              <a:ext uri="{FF2B5EF4-FFF2-40B4-BE49-F238E27FC236}">
+                <a16:creationId xmlns:a16="http://schemas.microsoft.com/office/drawing/2014/main" id="{82F43559-8534-46C3-9C2D-0ECDE18C02EE}"/>
+              </a:ext>
+            </a:extLst>
+          </p:cNvPr>
+          <p:cNvSpPr txBox="1">
+            <a:spLocks/>
+          </p:cNvSpPr>
+          <p:nvPr/>
+        </p:nvSpPr>
+        <p:spPr>
+          <a:xfrm>
+            <a:off x="7245966" y="5553236"/>
+            <a:ext cx="3211127" cy="307492"/>
+          </a:xfrm>
+          <a:prstGeom prst="rect">
+            <a:avLst/>
+          </a:prstGeom>
+        </p:spPr>
+        <p:txBody>
+          <a:bodyPr/>
+          <a:lstStyle>
+            <a:lvl1pPr marL="228600" indent="-228600" algn="l" rtl="0" eaLnBrk="0" fontAlgn="base" latinLnBrk="1" hangingPunct="0">
+              <a:lnSpc>
+                <a:spcPct val="90000"/>
+              </a:lnSpc>
+              <a:spcBef>
+                <a:spcPts val="1000"/>
+              </a:spcBef>
+              <a:spcAft>
+                <a:spcPct val="0"/>
+              </a:spcAft>
+              <a:buFont typeface="Arial" panose="020B0604020202020204" pitchFamily="34" charset="0"/>
+              <a:buChar char="•"/>
+              <a:defRPr sz="2800" kern="1200">
+                <a:solidFill>
+                  <a:schemeClr val="tx1"/>
+                </a:solidFill>
+                <a:latin typeface="+mn-lt"/>
+                <a:ea typeface="+mn-ea"/>
+                <a:cs typeface="+mn-cs"/>
+              </a:defRPr>
+            </a:lvl1pPr>
+            <a:lvl2pPr marL="685800" indent="-228600" algn="l" rtl="0" eaLnBrk="0" fontAlgn="base" latinLnBrk="1" hangingPunct="0">
+              <a:lnSpc>
+                <a:spcPct val="90000"/>
+              </a:lnSpc>
+              <a:spcBef>
+                <a:spcPts val="500"/>
+              </a:spcBef>
+              <a:spcAft>
+                <a:spcPct val="0"/>
+              </a:spcAft>
+              <a:buFont typeface="Arial" panose="020B0604020202020204" pitchFamily="34" charset="0"/>
+              <a:buChar char="•"/>
+              <a:defRPr sz="2400" kern="1200">
+                <a:solidFill>
+                  <a:schemeClr val="tx1"/>
+                </a:solidFill>
+                <a:latin typeface="+mn-lt"/>
+                <a:ea typeface="+mn-ea"/>
+                <a:cs typeface="+mn-cs"/>
+              </a:defRPr>
+            </a:lvl2pPr>
+            <a:lvl3pPr marL="1143000" indent="-228600" algn="l" rtl="0" eaLnBrk="0" fontAlgn="base" latinLnBrk="1" hangingPunct="0">
+              <a:lnSpc>
+                <a:spcPct val="90000"/>
+              </a:lnSpc>
+              <a:spcBef>
+                <a:spcPts val="500"/>
+              </a:spcBef>
+              <a:spcAft>
+                <a:spcPct val="0"/>
+              </a:spcAft>
+              <a:buFont typeface="Arial" panose="020B0604020202020204" pitchFamily="34" charset="0"/>
+              <a:buChar char="•"/>
+              <a:defRPr sz="2000" kern="1200">
+                <a:solidFill>
+                  <a:schemeClr val="tx1"/>
+                </a:solidFill>
+                <a:latin typeface="+mn-lt"/>
+                <a:ea typeface="+mn-ea"/>
+                <a:cs typeface="+mn-cs"/>
+              </a:defRPr>
+            </a:lvl3pPr>
+            <a:lvl4pPr marL="1600200" indent="-228600" algn="l" rtl="0" eaLnBrk="0" fontAlgn="base" latinLnBrk="1" hangingPunct="0">
+              <a:lnSpc>
+                <a:spcPct val="90000"/>
+              </a:lnSpc>
+              <a:spcBef>
+                <a:spcPts val="500"/>
+              </a:spcBef>
+              <a:spcAft>
+                <a:spcPct val="0"/>
+              </a:spcAft>
+              <a:buFont typeface="Arial" panose="020B0604020202020204" pitchFamily="34" charset="0"/>
+              <a:buChar char="•"/>
+              <a:defRPr sz="2000" kern="1200">
+                <a:solidFill>
+                  <a:schemeClr val="tx1"/>
+                </a:solidFill>
+                <a:latin typeface="+mn-lt"/>
+                <a:ea typeface="+mn-ea"/>
+                <a:cs typeface="+mn-cs"/>
+              </a:defRPr>
+            </a:lvl4pPr>
+            <a:lvl5pPr marL="2057400" indent="-228600" algn="l" rtl="0" eaLnBrk="0" fontAlgn="base" latinLnBrk="1" hangingPunct="0">
+              <a:lnSpc>
+                <a:spcPct val="90000"/>
+              </a:lnSpc>
+              <a:spcBef>
+                <a:spcPts val="500"/>
+              </a:spcBef>
+              <a:spcAft>
+                <a:spcPct val="0"/>
+              </a:spcAft>
+              <a:buFont typeface="Arial" panose="020B0604020202020204" pitchFamily="34" charset="0"/>
+              <a:buChar char="•"/>
+              <a:defRPr sz="2000" kern="1200">
+                <a:solidFill>
+                  <a:schemeClr val="tx1"/>
+                </a:solidFill>
+                <a:latin typeface="+mn-lt"/>
+                <a:ea typeface="+mn-ea"/>
+                <a:cs typeface="+mn-cs"/>
+              </a:defRPr>
+            </a:lvl5pPr>
+            <a:lvl6pPr marL="2514600" indent="-228600" algn="l" defTabSz="914400" rtl="0" eaLnBrk="1" latinLnBrk="1" hangingPunct="1">
+              <a:lnSpc>
+                <a:spcPct val="90000"/>
+              </a:lnSpc>
+              <a:spcBef>
+                <a:spcPts val="500"/>
+              </a:spcBef>
+              <a:buFont typeface="Arial" panose="020B0604020202020204" pitchFamily="34" charset="0"/>
+              <a:buChar char="•"/>
+              <a:defRPr sz="1800" kern="1200">
+                <a:solidFill>
+                  <a:schemeClr val="tx1"/>
+                </a:solidFill>
+                <a:latin typeface="+mn-lt"/>
+                <a:ea typeface="+mn-ea"/>
+                <a:cs typeface="+mn-cs"/>
+              </a:defRPr>
+            </a:lvl6pPr>
+            <a:lvl7pPr marL="2971800" indent="-228600" algn="l" defTabSz="914400" rtl="0" eaLnBrk="1" latinLnBrk="1" hangingPunct="1">
+              <a:lnSpc>
+                <a:spcPct val="90000"/>
+              </a:lnSpc>
+              <a:spcBef>
+                <a:spcPts val="500"/>
+              </a:spcBef>
+              <a:buFont typeface="Arial" panose="020B0604020202020204" pitchFamily="34" charset="0"/>
+              <a:buChar char="•"/>
+              <a:defRPr sz="1800" kern="1200">
+                <a:solidFill>
+                  <a:schemeClr val="tx1"/>
+                </a:solidFill>
+                <a:latin typeface="+mn-lt"/>
+                <a:ea typeface="+mn-ea"/>
+                <a:cs typeface="+mn-cs"/>
+              </a:defRPr>
+            </a:lvl7pPr>
+            <a:lvl8pPr marL="3429000" indent="-228600" algn="l" defTabSz="914400" rtl="0" eaLnBrk="1" latinLnBrk="1" hangingPunct="1">
+              <a:lnSpc>
+                <a:spcPct val="90000"/>
+              </a:lnSpc>
+              <a:spcBef>
+                <a:spcPts val="500"/>
+              </a:spcBef>
+              <a:buFont typeface="Arial" panose="020B0604020202020204" pitchFamily="34" charset="0"/>
+              <a:buChar char="•"/>
+              <a:defRPr sz="1800" kern="1200">
+                <a:solidFill>
+                  <a:schemeClr val="tx1"/>
+                </a:solidFill>
+                <a:latin typeface="+mn-lt"/>
+                <a:ea typeface="+mn-ea"/>
+                <a:cs typeface="+mn-cs"/>
+              </a:defRPr>
+            </a:lvl8pPr>
+            <a:lvl9pPr marL="3886200" indent="-228600" algn="l" defTabSz="914400" rtl="0" eaLnBrk="1" latinLnBrk="1" hangingPunct="1">
+              <a:lnSpc>
+                <a:spcPct val="90000"/>
+              </a:lnSpc>
+              <a:spcBef>
+                <a:spcPts val="500"/>
+              </a:spcBef>
+              <a:buFont typeface="Arial" panose="020B0604020202020204" pitchFamily="34" charset="0"/>
+              <a:buChar char="•"/>
+              <a:defRPr sz="1800" kern="1200">
+                <a:solidFill>
+                  <a:schemeClr val="tx1"/>
+                </a:solidFill>
+                <a:latin typeface="+mn-lt"/>
+                <a:ea typeface="+mn-ea"/>
+                <a:cs typeface="+mn-cs"/>
+              </a:defRPr>
+            </a:lvl9pPr>
+          </a:lstStyle>
+          <a:p>
+            <a:pPr marL="0" indent="0">
+              <a:buNone/>
+            </a:pPr>
+            <a:r>
+              <a:rPr lang="en-US" altLang="ko-KR" sz="1400" dirty="0" smtClean="0">
+                <a:sym typeface="Wingdings" panose="05000000000000000000" pitchFamily="2" charset="2"/>
+              </a:rPr>
+              <a:t> DELETE </a:t>
+            </a:r>
+            <a:r>
+              <a:rPr lang="ko-KR" altLang="en-US" sz="1400" dirty="0" smtClean="0">
+                <a:sym typeface="Wingdings" panose="05000000000000000000" pitchFamily="2" charset="2"/>
+              </a:rPr>
+              <a:t>실패</a:t>
+            </a:r>
+            <a:endParaRPr lang="en-US" altLang="ko-KR" sz="1400" dirty="0"/>
+          </a:p>
+        </p:txBody>
+      </p:sp>
+    </p:spTree>
+    <p:extLst>
+      <p:ext uri="{BB962C8B-B14F-4D97-AF65-F5344CB8AC3E}">
+        <p14:creationId xmlns:p14="http://schemas.microsoft.com/office/powerpoint/2010/main" val="3614281681"/>
+      </p:ext>
+    </p:extLst>
+  </p:cSld>
+  <p:clrMapOvr>
+    <a:masterClrMapping/>
+  </p:clrMapOvr>
+  <p:timing>
+    <p:tnLst>
+      <p:par>
+        <p:cTn id="1" dur="indefinite" restart="never" nodeType="tmRoot"/>
+      </p:par>
+    </p:tnLst>
+  </p:timing>
+</p:sld>
+</file>
+
+<file path=ppt/slides/slide19.xml><?xml version="1.0" encoding="utf-8"?>
 <p:sld xmlns:a="http://schemas.openxmlformats.org/drawingml/2006/main" xmlns:r="http://schemas.openxmlformats.org/officeDocument/2006/relationships" xmlns:p="http://schemas.openxmlformats.org/presentationml/2006/main">
   <p:cSld>
     <p:spTree>
@@ -8751,6 +12945,13 @@
   <p:clrMapOvr>
     <a:masterClrMapping/>
   </p:clrMapOvr>
+  <p:timing>
+    <p:tnLst>
+      <p:par>
+        <p:cTn id="1" dur="indefinite" restart="never" nodeType="tmRoot"/>
+      </p:par>
+    </p:tnLst>
+  </p:timing>
 </p:sld>
 </file>
 
@@ -9176,6 +13377,13 @@
   <p:clrMapOvr>
     <a:masterClrMapping/>
   </p:clrMapOvr>
+  <p:timing>
+    <p:tnLst>
+      <p:par>
+        <p:cTn id="1" dur="indefinite" restart="never" nodeType="tmRoot"/>
+      </p:par>
+    </p:tnLst>
+  </p:timing>
 </p:sld>
 </file>
 
@@ -9918,6 +14126,13 @@
   <p:clrMapOvr>
     <a:masterClrMapping/>
   </p:clrMapOvr>
+  <p:timing>
+    <p:tnLst>
+      <p:par>
+        <p:cTn id="1" dur="indefinite" restart="never" nodeType="tmRoot"/>
+      </p:par>
+    </p:tnLst>
+  </p:timing>
 </p:sld>
 </file>
 
@@ -10795,6 +15010,13 @@
   <p:clrMapOvr>
     <a:masterClrMapping/>
   </p:clrMapOvr>
+  <p:timing>
+    <p:tnLst>
+      <p:par>
+        <p:cTn id="1" dur="indefinite" restart="never" nodeType="tmRoot"/>
+      </p:par>
+    </p:tnLst>
+  </p:timing>
 </p:sld>
 </file>
 
@@ -11338,7 +15560,7 @@
         <p:spPr>
           <a:xfrm>
             <a:off x="634467" y="307395"/>
-            <a:ext cx="3880880" cy="338554"/>
+            <a:ext cx="3880880" cy="584775"/>
           </a:xfrm>
           <a:prstGeom prst="rect">
             <a:avLst/>
@@ -11365,7 +15587,7 @@
               <a:t>렌터카를 인수하자</a:t>
             </a:r>
             <a:r>
-              <a:rPr lang="en-US" altLang="ko-KR" sz="1600" b="1" dirty="0">
+              <a:rPr lang="en-US" altLang="ko-KR" sz="1600" b="1" dirty="0" smtClean="0">
                 <a:solidFill>
                   <a:srgbClr val="445569"/>
                 </a:solidFill>
@@ -11374,8 +15596,13 @@
               </a:rPr>
               <a:t>!</a:t>
             </a:r>
-            <a:r>
-              <a:rPr lang="en-US" altLang="ko-KR" sz="1600" b="1" dirty="0">
+          </a:p>
+          <a:p>
+            <a:pPr>
+              <a:defRPr/>
+            </a:pPr>
+            <a:r>
+              <a:rPr lang="en-US" altLang="ko-KR" sz="1600" b="1" dirty="0" smtClean="0">
                 <a:solidFill>
                   <a:schemeClr val="tx2">
                     <a:lumMod val="75000"/>
@@ -11384,10 +15611,10 @@
                 <a:latin typeface="+mn-ea"/>
                 <a:ea typeface="+mn-ea"/>
               </a:rPr>
-              <a:t> index</a:t>
-            </a:r>
-            <a:r>
-              <a:rPr lang="ko-KR" altLang="en-US" sz="1600" b="1" dirty="0">
+              <a:t>index</a:t>
+            </a:r>
+            <a:r>
+              <a:rPr lang="ko-KR" altLang="en-US" sz="1600" b="1" dirty="0" smtClean="0">
                 <a:solidFill>
                   <a:schemeClr val="tx2">
                     <a:lumMod val="75000"/>
@@ -11396,7 +15623,19 @@
                 <a:latin typeface="+mn-ea"/>
                 <a:ea typeface="+mn-ea"/>
               </a:rPr>
-              <a:t> 화면 구조</a:t>
+              <a:t> </a:t>
+            </a:r>
+            <a:r>
+              <a:rPr lang="ko-KR" altLang="en-US" sz="1600" b="1" dirty="0">
+                <a:solidFill>
+                  <a:schemeClr val="tx2">
+                    <a:lumMod val="75000"/>
+                  </a:schemeClr>
+                </a:solidFill>
+                <a:latin typeface="+mn-ea"/>
+                <a:ea typeface="+mn-ea"/>
+              </a:rPr>
+              <a:t>화면 구조</a:t>
             </a:r>
             <a:endParaRPr lang="en-US" altLang="ko-KR" sz="1600" b="1" dirty="0">
               <a:solidFill>
@@ -14561,6 +18800,13 @@
   <p:clrMapOvr>
     <a:masterClrMapping/>
   </p:clrMapOvr>
+  <p:timing>
+    <p:tnLst>
+      <p:par>
+        <p:cTn id="1" dur="indefinite" restart="never" nodeType="tmRoot"/>
+      </p:par>
+    </p:tnLst>
+  </p:timing>
 </p:sld>
 </file>
 
@@ -16713,7 +20959,7 @@
         <p:spPr>
           <a:xfrm>
             <a:off x="634466" y="307395"/>
-            <a:ext cx="4728515" cy="338554"/>
+            <a:ext cx="4728515" cy="584775"/>
           </a:xfrm>
           <a:prstGeom prst="rect">
             <a:avLst/>
@@ -16740,7 +20986,7 @@
               <a:t>렌터카를 인수하자</a:t>
             </a:r>
             <a:r>
-              <a:rPr lang="en-US" altLang="ko-KR" sz="1600" b="1" dirty="0">
+              <a:rPr lang="en-US" altLang="ko-KR" sz="1600" b="1" dirty="0" smtClean="0">
                 <a:solidFill>
                   <a:srgbClr val="445569"/>
                 </a:solidFill>
@@ -16749,8 +20995,13 @@
               </a:rPr>
               <a:t>!</a:t>
             </a:r>
-            <a:r>
-              <a:rPr lang="en-US" altLang="ko-KR" sz="1600" b="1" dirty="0">
+          </a:p>
+          <a:p>
+            <a:pPr>
+              <a:defRPr/>
+            </a:pPr>
+            <a:r>
+              <a:rPr lang="en-US" altLang="ko-KR" sz="1600" b="1" dirty="0" err="1" smtClean="0">
                 <a:solidFill>
                   <a:schemeClr val="tx2">
                     <a:lumMod val="75000"/>
@@ -16759,10 +21010,10 @@
                 <a:latin typeface="+mn-ea"/>
                 <a:ea typeface="+mn-ea"/>
               </a:rPr>
-              <a:t> </a:t>
-            </a:r>
-            <a:r>
-              <a:rPr lang="en-US" altLang="ko-KR" sz="1600" b="1" dirty="0" err="1">
+              <a:t>Model_info</a:t>
+            </a:r>
+            <a:r>
+              <a:rPr lang="ko-KR" altLang="en-US" sz="1600" b="1" dirty="0" smtClean="0">
                 <a:solidFill>
                   <a:schemeClr val="tx2">
                     <a:lumMod val="75000"/>
@@ -16771,7 +21022,7 @@
                 <a:latin typeface="+mn-ea"/>
                 <a:ea typeface="+mn-ea"/>
               </a:rPr>
-              <a:t>Model_info</a:t>
+              <a:t> </a:t>
             </a:r>
             <a:r>
               <a:rPr lang="ko-KR" altLang="en-US" sz="1600" b="1" dirty="0">
@@ -16783,7 +21034,7 @@
                 <a:latin typeface="+mn-ea"/>
                 <a:ea typeface="+mn-ea"/>
               </a:rPr>
-              <a:t> 화면 구조</a:t>
+              <a:t>화면 구조</a:t>
             </a:r>
             <a:endParaRPr lang="en-US" altLang="ko-KR" sz="1600" b="1" dirty="0">
               <a:solidFill>
@@ -16807,6 +21058,13 @@
   <p:clrMapOvr>
     <a:masterClrMapping/>
   </p:clrMapOvr>
+  <p:timing>
+    <p:tnLst>
+      <p:par>
+        <p:cTn id="1" dur="indefinite" restart="never" nodeType="tmRoot"/>
+      </p:par>
+    </p:tnLst>
+  </p:timing>
 </p:sld>
 </file>
 
